--- a/Final Project.pptx
+++ b/Final Project.pptx
@@ -295,7 +295,8 @@
           <a:p>
             <a:fld id="{9674615B-BCD4-41AC-A304-76EC8982C077}" type="datetimeFigureOut">
               <a:rPr lang="en-US" smtClean="0"/>
-              <a:t>11/28/2011</a:t>
+              <a:pPr/>
+              <a:t>11/29/2011</a:t>
             </a:fld>
             <a:endParaRPr lang="en-US"/>
           </a:p>
@@ -337,6 +338,7 @@
           <a:p>
             <a:fld id="{F30CC3C2-5D15-4C08-9C87-B8549D3669AD}" type="slidenum">
               <a:rPr lang="en-US" smtClean="0"/>
+              <a:pPr/>
               <a:t>‹#›</a:t>
             </a:fld>
             <a:endParaRPr lang="en-US"/>
@@ -460,7 +462,8 @@
           <a:p>
             <a:fld id="{9674615B-BCD4-41AC-A304-76EC8982C077}" type="datetimeFigureOut">
               <a:rPr lang="en-US" smtClean="0"/>
-              <a:t>11/28/2011</a:t>
+              <a:pPr/>
+              <a:t>11/29/2011</a:t>
             </a:fld>
             <a:endParaRPr lang="en-US"/>
           </a:p>
@@ -502,6 +505,7 @@
           <a:p>
             <a:fld id="{F30CC3C2-5D15-4C08-9C87-B8549D3669AD}" type="slidenum">
               <a:rPr lang="en-US" smtClean="0"/>
+              <a:pPr/>
               <a:t>‹#›</a:t>
             </a:fld>
             <a:endParaRPr lang="en-US"/>
@@ -635,7 +639,8 @@
           <a:p>
             <a:fld id="{9674615B-BCD4-41AC-A304-76EC8982C077}" type="datetimeFigureOut">
               <a:rPr lang="en-US" smtClean="0"/>
-              <a:t>11/28/2011</a:t>
+              <a:pPr/>
+              <a:t>11/29/2011</a:t>
             </a:fld>
             <a:endParaRPr lang="en-US"/>
           </a:p>
@@ -677,6 +682,7 @@
           <a:p>
             <a:fld id="{F30CC3C2-5D15-4C08-9C87-B8549D3669AD}" type="slidenum">
               <a:rPr lang="en-US" smtClean="0"/>
+              <a:pPr/>
               <a:t>‹#›</a:t>
             </a:fld>
             <a:endParaRPr lang="en-US"/>
@@ -800,7 +806,8 @@
           <a:p>
             <a:fld id="{9674615B-BCD4-41AC-A304-76EC8982C077}" type="datetimeFigureOut">
               <a:rPr lang="en-US" smtClean="0"/>
-              <a:t>11/28/2011</a:t>
+              <a:pPr/>
+              <a:t>11/29/2011</a:t>
             </a:fld>
             <a:endParaRPr lang="en-US"/>
           </a:p>
@@ -842,6 +849,7 @@
           <a:p>
             <a:fld id="{F30CC3C2-5D15-4C08-9C87-B8549D3669AD}" type="slidenum">
               <a:rPr lang="en-US" smtClean="0"/>
+              <a:pPr/>
               <a:t>‹#›</a:t>
             </a:fld>
             <a:endParaRPr lang="en-US"/>
@@ -1041,7 +1049,8 @@
           <a:p>
             <a:fld id="{9674615B-BCD4-41AC-A304-76EC8982C077}" type="datetimeFigureOut">
               <a:rPr lang="en-US" smtClean="0"/>
-              <a:t>11/28/2011</a:t>
+              <a:pPr/>
+              <a:t>11/29/2011</a:t>
             </a:fld>
             <a:endParaRPr lang="en-US"/>
           </a:p>
@@ -1083,6 +1092,7 @@
           <a:p>
             <a:fld id="{F30CC3C2-5D15-4C08-9C87-B8549D3669AD}" type="slidenum">
               <a:rPr lang="en-US" smtClean="0"/>
+              <a:pPr/>
               <a:t>‹#›</a:t>
             </a:fld>
             <a:endParaRPr lang="en-US"/>
@@ -1324,7 +1334,8 @@
           <a:p>
             <a:fld id="{9674615B-BCD4-41AC-A304-76EC8982C077}" type="datetimeFigureOut">
               <a:rPr lang="en-US" smtClean="0"/>
-              <a:t>11/28/2011</a:t>
+              <a:pPr/>
+              <a:t>11/29/2011</a:t>
             </a:fld>
             <a:endParaRPr lang="en-US"/>
           </a:p>
@@ -1366,6 +1377,7 @@
           <a:p>
             <a:fld id="{F30CC3C2-5D15-4C08-9C87-B8549D3669AD}" type="slidenum">
               <a:rPr lang="en-US" smtClean="0"/>
+              <a:pPr/>
               <a:t>‹#›</a:t>
             </a:fld>
             <a:endParaRPr lang="en-US"/>
@@ -1741,7 +1753,8 @@
           <a:p>
             <a:fld id="{9674615B-BCD4-41AC-A304-76EC8982C077}" type="datetimeFigureOut">
               <a:rPr lang="en-US" smtClean="0"/>
-              <a:t>11/28/2011</a:t>
+              <a:pPr/>
+              <a:t>11/29/2011</a:t>
             </a:fld>
             <a:endParaRPr lang="en-US"/>
           </a:p>
@@ -1783,6 +1796,7 @@
           <a:p>
             <a:fld id="{F30CC3C2-5D15-4C08-9C87-B8549D3669AD}" type="slidenum">
               <a:rPr lang="en-US" smtClean="0"/>
+              <a:pPr/>
               <a:t>‹#›</a:t>
             </a:fld>
             <a:endParaRPr lang="en-US"/>
@@ -1854,7 +1868,8 @@
           <a:p>
             <a:fld id="{9674615B-BCD4-41AC-A304-76EC8982C077}" type="datetimeFigureOut">
               <a:rPr lang="en-US" smtClean="0"/>
-              <a:t>11/28/2011</a:t>
+              <a:pPr/>
+              <a:t>11/29/2011</a:t>
             </a:fld>
             <a:endParaRPr lang="en-US"/>
           </a:p>
@@ -1896,6 +1911,7 @@
           <a:p>
             <a:fld id="{F30CC3C2-5D15-4C08-9C87-B8549D3669AD}" type="slidenum">
               <a:rPr lang="en-US" smtClean="0"/>
+              <a:pPr/>
               <a:t>‹#›</a:t>
             </a:fld>
             <a:endParaRPr lang="en-US"/>
@@ -1944,7 +1960,8 @@
           <a:p>
             <a:fld id="{9674615B-BCD4-41AC-A304-76EC8982C077}" type="datetimeFigureOut">
               <a:rPr lang="en-US" smtClean="0"/>
-              <a:t>11/28/2011</a:t>
+              <a:pPr/>
+              <a:t>11/29/2011</a:t>
             </a:fld>
             <a:endParaRPr lang="en-US"/>
           </a:p>
@@ -1986,6 +2003,7 @@
           <a:p>
             <a:fld id="{F30CC3C2-5D15-4C08-9C87-B8549D3669AD}" type="slidenum">
               <a:rPr lang="en-US" smtClean="0"/>
+              <a:pPr/>
               <a:t>‹#›</a:t>
             </a:fld>
             <a:endParaRPr lang="en-US"/>
@@ -2216,7 +2234,8 @@
           <a:p>
             <a:fld id="{9674615B-BCD4-41AC-A304-76EC8982C077}" type="datetimeFigureOut">
               <a:rPr lang="en-US" smtClean="0"/>
-              <a:t>11/28/2011</a:t>
+              <a:pPr/>
+              <a:t>11/29/2011</a:t>
             </a:fld>
             <a:endParaRPr lang="en-US"/>
           </a:p>
@@ -2258,6 +2277,7 @@
           <a:p>
             <a:fld id="{F30CC3C2-5D15-4C08-9C87-B8549D3669AD}" type="slidenum">
               <a:rPr lang="en-US" smtClean="0"/>
+              <a:pPr/>
               <a:t>‹#›</a:t>
             </a:fld>
             <a:endParaRPr lang="en-US"/>
@@ -2464,7 +2484,8 @@
           <a:p>
             <a:fld id="{9674615B-BCD4-41AC-A304-76EC8982C077}" type="datetimeFigureOut">
               <a:rPr lang="en-US" smtClean="0"/>
-              <a:t>11/28/2011</a:t>
+              <a:pPr/>
+              <a:t>11/29/2011</a:t>
             </a:fld>
             <a:endParaRPr lang="en-US"/>
           </a:p>
@@ -2506,6 +2527,7 @@
           <a:p>
             <a:fld id="{F30CC3C2-5D15-4C08-9C87-B8549D3669AD}" type="slidenum">
               <a:rPr lang="en-US" smtClean="0"/>
+              <a:pPr/>
               <a:t>‹#›</a:t>
             </a:fld>
             <a:endParaRPr lang="en-US"/>
@@ -2672,7 +2694,8 @@
           <a:p>
             <a:fld id="{9674615B-BCD4-41AC-A304-76EC8982C077}" type="datetimeFigureOut">
               <a:rPr lang="en-US" smtClean="0"/>
-              <a:t>11/28/2011</a:t>
+              <a:pPr/>
+              <a:t>11/29/2011</a:t>
             </a:fld>
             <a:endParaRPr lang="en-US"/>
           </a:p>
@@ -2750,6 +2773,7 @@
           <a:p>
             <a:fld id="{F30CC3C2-5D15-4C08-9C87-B8549D3669AD}" type="slidenum">
               <a:rPr lang="en-US" smtClean="0"/>
+              <a:pPr/>
               <a:t>‹#›</a:t>
             </a:fld>
             <a:endParaRPr lang="en-US"/>
@@ -3794,7 +3818,17 @@
           <a:bodyPr/>
           <a:lstStyle/>
           <a:p>
-            <a:endParaRPr lang="en-US"/>
+            <a:r>
+              <a:rPr lang="en-US" dirty="0" smtClean="0"/>
+              <a:t>Training Data</a:t>
+            </a:r>
+          </a:p>
+          <a:p>
+            <a:r>
+              <a:rPr lang="en-US" dirty="0" smtClean="0"/>
+              <a:t>RGB Color Matching</a:t>
+            </a:r>
+            <a:endParaRPr lang="en-US" dirty="0"/>
           </a:p>
         </p:txBody>
       </p:sp>

--- a/Final Project.pptx
+++ b/Final Project.pptx
@@ -3751,6 +3751,36 @@
           <a:bodyPr/>
           <a:lstStyle/>
           <a:p>
+            <a:endParaRPr lang="en-US" dirty="0"/>
+          </a:p>
+        </p:txBody>
+      </p:sp>
+      <p:sp>
+        <p:nvSpPr>
+          <p:cNvPr id="4" name="TextBox 3"/>
+          <p:cNvSpPr txBox="1"/>
+          <p:nvPr/>
+        </p:nvSpPr>
+        <p:spPr>
+          <a:xfrm>
+            <a:off x="3657600" y="3429000"/>
+            <a:ext cx="1727909" cy="369332"/>
+          </a:xfrm>
+          <a:prstGeom prst="rect">
+            <a:avLst/>
+          </a:prstGeom>
+          <a:noFill/>
+        </p:spPr>
+        <p:txBody>
+          <a:bodyPr wrap="none" rtlCol="0">
+            <a:spAutoFit/>
+          </a:bodyPr>
+          <a:lstStyle/>
+          <a:p>
+            <a:r>
+              <a:rPr lang="en-US" smtClean="0"/>
+              <a:t>You’re welcome.</a:t>
+            </a:r>
             <a:endParaRPr lang="en-US" dirty="0"/>
           </a:p>
         </p:txBody>

--- a/Final Project.pptx
+++ b/Final Project.pptx
@@ -3751,35 +3751,21 @@
           <a:bodyPr/>
           <a:lstStyle/>
           <a:p>
-            <a:endParaRPr lang="en-US" dirty="0"/>
-          </a:p>
-        </p:txBody>
-      </p:sp>
-      <p:sp>
-        <p:nvSpPr>
-          <p:cNvPr id="4" name="TextBox 3"/>
-          <p:cNvSpPr txBox="1"/>
-          <p:nvPr/>
-        </p:nvSpPr>
-        <p:spPr>
-          <a:xfrm>
-            <a:off x="3657600" y="3429000"/>
-            <a:ext cx="1727909" cy="369332"/>
-          </a:xfrm>
-          <a:prstGeom prst="rect">
-            <a:avLst/>
-          </a:prstGeom>
-          <a:noFill/>
-        </p:spPr>
-        <p:txBody>
-          <a:bodyPr wrap="none" rtlCol="0">
-            <a:spAutoFit/>
-          </a:bodyPr>
-          <a:lstStyle/>
-          <a:p>
-            <a:r>
-              <a:rPr lang="en-US" smtClean="0"/>
-              <a:t>You’re welcome.</a:t>
+            <a:r>
+              <a:rPr lang="en-US" dirty="0" smtClean="0"/>
+              <a:t>Test</a:t>
+            </a:r>
+          </a:p>
+          <a:p>
+            <a:r>
+              <a:rPr lang="en-US" dirty="0" smtClean="0"/>
+              <a:t>Here you go.</a:t>
+            </a:r>
+          </a:p>
+          <a:p>
+            <a:r>
+              <a:rPr lang="en-US" smtClean="0"/>
+              <a:t>Like this?</a:t>
             </a:r>
             <a:endParaRPr lang="en-US" dirty="0"/>
           </a:p>

--- a/Final Project.pptx
+++ b/Final Project.pptx
@@ -1,27 +1,122 @@
 
 <file path=ppt/presentation.xml><?xml version="1.0" encoding="utf-8"?>
-<p:presentation xmlns:a="http://schemas.openxmlformats.org/drawingml/2006/main" xmlns:p="http://schemas.openxmlformats.org/presentationml/2006/main" xmlns:r="http://schemas.openxmlformats.org/officeDocument/2006/relationships">
+<p:presentation xmlns:a="http://schemas.openxmlformats.org/drawingml/2006/main" xmlns:r="http://schemas.openxmlformats.org/officeDocument/2006/relationships" xmlns:p="http://schemas.openxmlformats.org/presentationml/2006/main">
   <p:sldMasterIdLst>
-    <p:sldMasterId id="2147483648" r:id="rId2"/>
-    <p:sldMasterId id="2147483650" r:id="rId3"/>
+    <p:sldMasterId id="2147483648" r:id="rId1"/>
+    <p:sldMasterId id="2147483650" r:id="rId2"/>
   </p:sldMasterIdLst>
   <p:sldIdLst>
-    <p:sldId id="256" r:id="rId4"/>
-    <p:sldId id="257" r:id="rId5"/>
-    <p:sldId id="258" r:id="rId6"/>
-    <p:sldId id="259" r:id="rId7"/>
-    <p:sldId id="260" r:id="rId8"/>
-    <p:sldId id="261" r:id="rId9"/>
-    <p:sldId id="262" r:id="rId10"/>
-    <p:sldId id="263" r:id="rId11"/>
+    <p:sldId id="256" r:id="rId3"/>
+    <p:sldId id="257" r:id="rId4"/>
+    <p:sldId id="258" r:id="rId5"/>
+    <p:sldId id="259" r:id="rId6"/>
+    <p:sldId id="260" r:id="rId7"/>
+    <p:sldId id="262" r:id="rId8"/>
+    <p:sldId id="264" r:id="rId9"/>
+    <p:sldId id="263" r:id="rId10"/>
   </p:sldIdLst>
-  <p:sldSz cx="9144000" cy="6858000"/>
+  <p:sldSz cx="9144000" cy="6858000" type="screen4x3"/>
   <p:notesSz cx="7772400" cy="10058400"/>
+  <p:defaultTextStyle>
+    <a:defPPr>
+      <a:defRPr lang="en-US"/>
+    </a:defPPr>
+    <a:lvl1pPr marL="0" algn="l" defTabSz="914400" rtl="0" eaLnBrk="1" latinLnBrk="0" hangingPunct="1">
+      <a:defRPr sz="1800" kern="1200">
+        <a:solidFill>
+          <a:schemeClr val="tx1"/>
+        </a:solidFill>
+        <a:latin typeface="+mn-lt"/>
+        <a:ea typeface="+mn-ea"/>
+        <a:cs typeface="+mn-cs"/>
+      </a:defRPr>
+    </a:lvl1pPr>
+    <a:lvl2pPr marL="457200" algn="l" defTabSz="914400" rtl="0" eaLnBrk="1" latinLnBrk="0" hangingPunct="1">
+      <a:defRPr sz="1800" kern="1200">
+        <a:solidFill>
+          <a:schemeClr val="tx1"/>
+        </a:solidFill>
+        <a:latin typeface="+mn-lt"/>
+        <a:ea typeface="+mn-ea"/>
+        <a:cs typeface="+mn-cs"/>
+      </a:defRPr>
+    </a:lvl2pPr>
+    <a:lvl3pPr marL="914400" algn="l" defTabSz="914400" rtl="0" eaLnBrk="1" latinLnBrk="0" hangingPunct="1">
+      <a:defRPr sz="1800" kern="1200">
+        <a:solidFill>
+          <a:schemeClr val="tx1"/>
+        </a:solidFill>
+        <a:latin typeface="+mn-lt"/>
+        <a:ea typeface="+mn-ea"/>
+        <a:cs typeface="+mn-cs"/>
+      </a:defRPr>
+    </a:lvl3pPr>
+    <a:lvl4pPr marL="1371600" algn="l" defTabSz="914400" rtl="0" eaLnBrk="1" latinLnBrk="0" hangingPunct="1">
+      <a:defRPr sz="1800" kern="1200">
+        <a:solidFill>
+          <a:schemeClr val="tx1"/>
+        </a:solidFill>
+        <a:latin typeface="+mn-lt"/>
+        <a:ea typeface="+mn-ea"/>
+        <a:cs typeface="+mn-cs"/>
+      </a:defRPr>
+    </a:lvl4pPr>
+    <a:lvl5pPr marL="1828800" algn="l" defTabSz="914400" rtl="0" eaLnBrk="1" latinLnBrk="0" hangingPunct="1">
+      <a:defRPr sz="1800" kern="1200">
+        <a:solidFill>
+          <a:schemeClr val="tx1"/>
+        </a:solidFill>
+        <a:latin typeface="+mn-lt"/>
+        <a:ea typeface="+mn-ea"/>
+        <a:cs typeface="+mn-cs"/>
+      </a:defRPr>
+    </a:lvl5pPr>
+    <a:lvl6pPr marL="2286000" algn="l" defTabSz="914400" rtl="0" eaLnBrk="1" latinLnBrk="0" hangingPunct="1">
+      <a:defRPr sz="1800" kern="1200">
+        <a:solidFill>
+          <a:schemeClr val="tx1"/>
+        </a:solidFill>
+        <a:latin typeface="+mn-lt"/>
+        <a:ea typeface="+mn-ea"/>
+        <a:cs typeface="+mn-cs"/>
+      </a:defRPr>
+    </a:lvl6pPr>
+    <a:lvl7pPr marL="2743200" algn="l" defTabSz="914400" rtl="0" eaLnBrk="1" latinLnBrk="0" hangingPunct="1">
+      <a:defRPr sz="1800" kern="1200">
+        <a:solidFill>
+          <a:schemeClr val="tx1"/>
+        </a:solidFill>
+        <a:latin typeface="+mn-lt"/>
+        <a:ea typeface="+mn-ea"/>
+        <a:cs typeface="+mn-cs"/>
+      </a:defRPr>
+    </a:lvl7pPr>
+    <a:lvl8pPr marL="3200400" algn="l" defTabSz="914400" rtl="0" eaLnBrk="1" latinLnBrk="0" hangingPunct="1">
+      <a:defRPr sz="1800" kern="1200">
+        <a:solidFill>
+          <a:schemeClr val="tx1"/>
+        </a:solidFill>
+        <a:latin typeface="+mn-lt"/>
+        <a:ea typeface="+mn-ea"/>
+        <a:cs typeface="+mn-cs"/>
+      </a:defRPr>
+    </a:lvl8pPr>
+    <a:lvl9pPr marL="3657600" algn="l" defTabSz="914400" rtl="0" eaLnBrk="1" latinLnBrk="0" hangingPunct="1">
+      <a:defRPr sz="1800" kern="1200">
+        <a:solidFill>
+          <a:schemeClr val="tx1"/>
+        </a:solidFill>
+        <a:latin typeface="+mn-lt"/>
+        <a:ea typeface="+mn-ea"/>
+        <a:cs typeface="+mn-cs"/>
+      </a:defRPr>
+    </a:lvl9pPr>
+  </p:defaultTextStyle>
 </p:presentation>
 </file>
 
 <file path=ppt/slideLayouts/slideLayout1.xml><?xml version="1.0" encoding="utf-8"?>
-<p:sldLayout xmlns:a="http://schemas.openxmlformats.org/drawingml/2006/main" xmlns:p="http://schemas.openxmlformats.org/presentationml/2006/main" xmlns:r="http://schemas.openxmlformats.org/officeDocument/2006/relationships" preserve="1" type="title">
+<p:sldLayout xmlns:a="http://schemas.openxmlformats.org/drawingml/2006/main" xmlns:r="http://schemas.openxmlformats.org/officeDocument/2006/relationships" xmlns:p="http://schemas.openxmlformats.org/presentationml/2006/main" type="title" preserve="1">
   <p:cSld name="Title Slide">
     <p:spTree>
       <p:nvGrpSpPr>
@@ -39,11 +134,14 @@
       </p:grpSpPr>
     </p:spTree>
   </p:cSld>
+  <p:clrMapOvr>
+    <a:masterClrMapping/>
+  </p:clrMapOvr>
 </p:sldLayout>
 </file>
 
 <file path=ppt/slideLayouts/slideLayout2.xml><?xml version="1.0" encoding="utf-8"?>
-<p:sldLayout xmlns:a="http://schemas.openxmlformats.org/drawingml/2006/main" xmlns:p="http://schemas.openxmlformats.org/presentationml/2006/main" xmlns:r="http://schemas.openxmlformats.org/officeDocument/2006/relationships" preserve="1" type="title">
+<p:sldLayout xmlns:a="http://schemas.openxmlformats.org/drawingml/2006/main" xmlns:r="http://schemas.openxmlformats.org/officeDocument/2006/relationships" xmlns:p="http://schemas.openxmlformats.org/presentationml/2006/main" type="title" preserve="1">
   <p:cSld name="Title Slide">
     <p:spTree>
       <p:nvGrpSpPr>
@@ -61,11 +159,14 @@
       </p:grpSpPr>
     </p:spTree>
   </p:cSld>
+  <p:clrMapOvr>
+    <a:masterClrMapping/>
+  </p:clrMapOvr>
 </p:sldLayout>
 </file>
 
 <file path=ppt/slideMasters/slideMaster1.xml><?xml version="1.0" encoding="utf-8"?>
-<p:sldMaster xmlns:a="http://schemas.openxmlformats.org/drawingml/2006/main" xmlns:p="http://schemas.openxmlformats.org/presentationml/2006/main" xmlns:r="http://schemas.openxmlformats.org/officeDocument/2006/relationships">
+<p:sldMaster xmlns:a="http://schemas.openxmlformats.org/drawingml/2006/main" xmlns:r="http://schemas.openxmlformats.org/officeDocument/2006/relationships" xmlns:p="http://schemas.openxmlformats.org/presentationml/2006/main">
   <p:cSld>
     <p:spTree>
       <p:nvGrpSpPr>
@@ -83,7 +184,7 @@
       </p:grpSpPr>
       <p:sp>
         <p:nvSpPr>
-          <p:cNvPr id="0" name="PlaceHolder 1"/>
+          <p:cNvPr id="5" name="PlaceHolder 1"/>
           <p:cNvSpPr>
             <a:spLocks noGrp="1"/>
           </p:cNvSpPr>
@@ -101,7 +202,8 @@
           </a:prstGeom>
         </p:spPr>
         <p:txBody>
-          <a:bodyPr bIns="45000" lIns="90000" rIns="90000" tIns="45000"/>
+          <a:bodyPr lIns="90000" tIns="45000" rIns="90000" bIns="45000"/>
+          <a:lstStyle/>
           <a:p>
             <a:pPr algn="ctr"/>
             <a:r>
@@ -119,7 +221,7 @@
       </p:sp>
       <p:sp>
         <p:nvSpPr>
-          <p:cNvPr id="1" name="PlaceHolder 2"/>
+          <p:cNvPr id="6" name="PlaceHolder 2"/>
           <p:cNvSpPr>
             <a:spLocks noGrp="1"/>
           </p:cNvSpPr>
@@ -137,12 +239,13 @@
           </a:prstGeom>
         </p:spPr>
         <p:txBody>
-          <a:bodyPr bIns="45000" lIns="90000" rIns="90000" tIns="45000"/>
+          <a:bodyPr lIns="90000" tIns="45000" rIns="90000" bIns="45000"/>
+          <a:lstStyle/>
           <a:p>
             <a:r>
               <a:rPr lang="en-US" sz="1200">
                 <a:solidFill>
-                  <a:srgbClr val="8b8b8b"/>
+                  <a:srgbClr val="8B8B8B"/>
                 </a:solidFill>
                 <a:latin typeface="Calibri"/>
               </a:rPr>
@@ -188,16 +291,18 @@
           </a:prstGeom>
         </p:spPr>
         <p:txBody>
-          <a:bodyPr bIns="45000" lIns="90000" rIns="90000" tIns="45000"/>
+          <a:bodyPr lIns="90000" tIns="45000" rIns="90000" bIns="45000"/>
+          <a:lstStyle/>
           <a:p>
             <a:fld id="{014141C1-01E1-41C1-A121-31C1D1718101}" type="slidenum">
               <a:rPr lang="en-US" sz="1200">
                 <a:solidFill>
-                  <a:srgbClr val="8b8b8b"/>
-                </a:solidFill>
-                <a:latin typeface="Calibri"/>
-              </a:rPr>
-              <a:t>&lt;number&gt;</a:t>
+                  <a:srgbClr val="8B8B8B"/>
+                </a:solidFill>
+                <a:latin typeface="Calibri"/>
+              </a:rPr>
+              <a:pPr/>
+              <a:t>‹#›</a:t>
             </a:fld>
             <a:endParaRPr/>
           </a:p>
@@ -223,7 +328,8 @@
           </a:prstGeom>
         </p:spPr>
         <p:txBody>
-          <a:bodyPr bIns="0" lIns="0" rIns="0" tIns="0" wrap="none"/>
+          <a:bodyPr wrap="none" lIns="0" tIns="0" rIns="0" bIns="0"/>
+          <a:lstStyle/>
           <a:p>
             <a:pPr>
               <a:buSzPct val="45000"/>
@@ -336,15 +442,20 @@
       </p:sp>
     </p:spTree>
   </p:cSld>
-  <p:clrMap accent1="accent1" accent2="accent2" accent3="accent3" accent4="accent4" accent5="accent5" accent6="accent6" bg1="lt1" bg2="lt2" folHlink="folHlink" hlink="hlink" tx1="dk1" tx2="dk2"/>
+  <p:clrMap bg1="lt1" tx1="dk1" bg2="lt2" tx2="dk2" accent1="accent1" accent2="accent2" accent3="accent3" accent4="accent4" accent5="accent5" accent6="accent6" hlink="hlink" folHlink="folHlink"/>
   <p:sldLayoutIdLst>
-    <p:sldLayoutId id="2147483649" r:id="rId2"/>
+    <p:sldLayoutId id="2147483649" r:id="rId1"/>
   </p:sldLayoutIdLst>
+  <p:txStyles>
+    <p:titleStyle/>
+    <p:bodyStyle/>
+    <p:otherStyle/>
+  </p:txStyles>
 </p:sldMaster>
 </file>
 
 <file path=ppt/slideMasters/slideMaster2.xml><?xml version="1.0" encoding="utf-8"?>
-<p:sldMaster xmlns:a="http://schemas.openxmlformats.org/drawingml/2006/main" xmlns:p="http://schemas.openxmlformats.org/presentationml/2006/main" xmlns:r="http://schemas.openxmlformats.org/officeDocument/2006/relationships">
+<p:sldMaster xmlns:a="http://schemas.openxmlformats.org/drawingml/2006/main" xmlns:r="http://schemas.openxmlformats.org/officeDocument/2006/relationships" xmlns:p="http://schemas.openxmlformats.org/presentationml/2006/main">
   <p:cSld>
     <p:spTree>
       <p:nvGrpSpPr>
@@ -380,7 +491,8 @@
           </a:prstGeom>
         </p:spPr>
         <p:txBody>
-          <a:bodyPr bIns="45000" lIns="90000" rIns="90000" tIns="45000"/>
+          <a:bodyPr lIns="90000" tIns="45000" rIns="90000" bIns="45000"/>
+          <a:lstStyle/>
           <a:p>
             <a:pPr algn="ctr"/>
             <a:r>
@@ -416,7 +528,8 @@
           </a:prstGeom>
         </p:spPr>
         <p:txBody>
-          <a:bodyPr bIns="45000" lIns="90000" rIns="90000" tIns="45000"/>
+          <a:bodyPr lIns="90000" tIns="45000" rIns="90000" bIns="45000"/>
+          <a:lstStyle/>
           <a:p>
             <a:pPr>
               <a:buSzPct val="45000"/>
@@ -660,12 +773,13 @@
           </a:prstGeom>
         </p:spPr>
         <p:txBody>
-          <a:bodyPr bIns="45000" lIns="90000" rIns="90000" tIns="45000"/>
+          <a:bodyPr lIns="90000" tIns="45000" rIns="90000" bIns="45000"/>
+          <a:lstStyle/>
           <a:p>
             <a:r>
               <a:rPr lang="en-US" sz="1200">
                 <a:solidFill>
-                  <a:srgbClr val="8b8b8b"/>
+                  <a:srgbClr val="8B8B8B"/>
                 </a:solidFill>
                 <a:latin typeface="Calibri"/>
               </a:rPr>
@@ -711,16 +825,18 @@
           </a:prstGeom>
         </p:spPr>
         <p:txBody>
-          <a:bodyPr bIns="45000" lIns="90000" rIns="90000" tIns="45000"/>
+          <a:bodyPr lIns="90000" tIns="45000" rIns="90000" bIns="45000"/>
+          <a:lstStyle/>
           <a:p>
             <a:fld id="{A1019171-4101-41F1-81B1-418141918151}" type="slidenum">
               <a:rPr lang="en-US" sz="1200">
                 <a:solidFill>
-                  <a:srgbClr val="8b8b8b"/>
-                </a:solidFill>
-                <a:latin typeface="Calibri"/>
-              </a:rPr>
-              <a:t>&lt;number&gt;</a:t>
+                  <a:srgbClr val="8B8B8B"/>
+                </a:solidFill>
+                <a:latin typeface="Calibri"/>
+              </a:rPr>
+              <a:pPr/>
+              <a:t>‹#›</a:t>
             </a:fld>
             <a:endParaRPr/>
           </a:p>
@@ -728,15 +844,20 @@
       </p:sp>
     </p:spTree>
   </p:cSld>
-  <p:clrMap accent1="accent1" accent2="accent2" accent3="accent3" accent4="accent4" accent5="accent5" accent6="accent6" bg1="lt1" bg2="lt2" folHlink="folHlink" hlink="hlink" tx1="dk1" tx2="dk2"/>
+  <p:clrMap bg1="lt1" tx1="dk1" bg2="lt2" tx2="dk2" accent1="accent1" accent2="accent2" accent3="accent3" accent4="accent4" accent5="accent5" accent6="accent6" hlink="hlink" folHlink="folHlink"/>
   <p:sldLayoutIdLst>
-    <p:sldLayoutId id="2147483651" r:id="rId2"/>
+    <p:sldLayoutId id="2147483651" r:id="rId1"/>
   </p:sldLayoutIdLst>
+  <p:txStyles>
+    <p:titleStyle/>
+    <p:bodyStyle/>
+    <p:otherStyle/>
+  </p:txStyles>
 </p:sldMaster>
 </file>
 
 <file path=ppt/slides/slide1.xml><?xml version="1.0" encoding="utf-8"?>
-<p:sld xmlns:a="http://schemas.openxmlformats.org/drawingml/2006/main" xmlns:p="http://schemas.openxmlformats.org/presentationml/2006/main" xmlns:r="http://schemas.openxmlformats.org/officeDocument/2006/relationships">
+<p:sld xmlns:a="http://schemas.openxmlformats.org/drawingml/2006/main" xmlns:r="http://schemas.openxmlformats.org/officeDocument/2006/relationships" xmlns:p="http://schemas.openxmlformats.org/presentationml/2006/main">
   <p:cSld>
     <p:spTree>
       <p:nvGrpSpPr>
@@ -768,7 +889,8 @@
           </a:prstGeom>
         </p:spPr>
         <p:txBody>
-          <a:bodyPr bIns="45000" lIns="90000" rIns="90000" tIns="45000"/>
+          <a:bodyPr lIns="90000" tIns="45000" rIns="90000" bIns="45000"/>
+          <a:lstStyle/>
           <a:p>
             <a:pPr algn="ctr"/>
             <a:r>
@@ -778,26 +900,8 @@
                 </a:solidFill>
                 <a:latin typeface="Calibri"/>
               </a:rPr>
-              <a:t>Final Project</a:t>
-            </a:r>
-            <a:r>
-              <a:rPr lang="en-US" sz="4400">
-                <a:solidFill>
-                  <a:srgbClr val="000000"/>
-                </a:solidFill>
-                <a:latin typeface="Calibri"/>
-              </a:rPr>
-              <a:t>
-</a:t>
-            </a:r>
-            <a:r>
-              <a:rPr lang="en-US" sz="4400">
-                <a:solidFill>
-                  <a:srgbClr val="000000"/>
-                </a:solidFill>
-                <a:latin typeface="Calibri"/>
-              </a:rPr>
-              <a:t>Computer Vision (600.461)</a:t>
+              <a:t>Final Project
+Computer Vision (600.461)</a:t>
             </a:r>
             <a:endParaRPr/>
           </a:p>
@@ -819,13 +923,14 @@
           </a:prstGeom>
         </p:spPr>
         <p:txBody>
-          <a:bodyPr bIns="45000" lIns="90000" rIns="90000" tIns="45000"/>
+          <a:bodyPr lIns="90000" tIns="45000" rIns="90000" bIns="45000"/>
+          <a:lstStyle/>
           <a:p>
             <a:pPr algn="ctr"/>
             <a:r>
               <a:rPr lang="en-US">
                 <a:solidFill>
-                  <a:srgbClr val="8b8b8b"/>
+                  <a:srgbClr val="8B8B8B"/>
                 </a:solidFill>
               </a:rPr>
               <a:t>N. Belcher, J. Hong, R. Xu</a:t>
@@ -836,11 +941,14 @@
       </p:sp>
     </p:spTree>
   </p:cSld>
+  <p:clrMapOvr>
+    <a:masterClrMapping/>
+  </p:clrMapOvr>
 </p:sld>
 </file>
 
 <file path=ppt/slides/slide2.xml><?xml version="1.0" encoding="utf-8"?>
-<p:sld xmlns:a="http://schemas.openxmlformats.org/drawingml/2006/main" xmlns:p="http://schemas.openxmlformats.org/presentationml/2006/main" xmlns:r="http://schemas.openxmlformats.org/officeDocument/2006/relationships">
+<p:sld xmlns:a="http://schemas.openxmlformats.org/drawingml/2006/main" xmlns:r="http://schemas.openxmlformats.org/officeDocument/2006/relationships" xmlns:p="http://schemas.openxmlformats.org/presentationml/2006/main">
   <p:cSld>
     <p:spTree>
       <p:nvGrpSpPr>
@@ -872,7 +980,8 @@
           </a:prstGeom>
         </p:spPr>
         <p:txBody>
-          <a:bodyPr bIns="45000" lIns="90000" rIns="90000" tIns="45000"/>
+          <a:bodyPr lIns="90000" tIns="45000" rIns="90000" bIns="45000"/>
+          <a:lstStyle/>
           <a:p>
             <a:pPr algn="ctr"/>
             <a:r>
@@ -904,7 +1013,8 @@
           </a:prstGeom>
         </p:spPr>
         <p:txBody>
-          <a:bodyPr bIns="45000" lIns="90000" rIns="90000" tIns="45000"/>
+          <a:bodyPr lIns="90000" tIns="45000" rIns="90000" bIns="45000"/>
+          <a:lstStyle/>
           <a:p>
             <a:pPr>
               <a:buSzPct val="45000"/>
@@ -1060,11 +1170,14 @@
       </p:sp>
     </p:spTree>
   </p:cSld>
+  <p:clrMapOvr>
+    <a:masterClrMapping/>
+  </p:clrMapOvr>
 </p:sld>
 </file>
 
 <file path=ppt/slides/slide3.xml><?xml version="1.0" encoding="utf-8"?>
-<p:sld xmlns:a="http://schemas.openxmlformats.org/drawingml/2006/main" xmlns:p="http://schemas.openxmlformats.org/presentationml/2006/main" xmlns:r="http://schemas.openxmlformats.org/officeDocument/2006/relationships">
+<p:sld xmlns:a="http://schemas.openxmlformats.org/drawingml/2006/main" xmlns:r="http://schemas.openxmlformats.org/officeDocument/2006/relationships" xmlns:p="http://schemas.openxmlformats.org/presentationml/2006/main">
   <p:cSld>
     <p:spTree>
       <p:nvGrpSpPr>
@@ -1096,7 +1209,8 @@
           </a:prstGeom>
         </p:spPr>
         <p:txBody>
-          <a:bodyPr bIns="45000" lIns="90000" rIns="90000" tIns="45000"/>
+          <a:bodyPr lIns="90000" tIns="45000" rIns="90000" bIns="45000"/>
+          <a:lstStyle/>
           <a:p>
             <a:pPr algn="ctr"/>
             <a:r>
@@ -1128,7 +1242,8 @@
           </a:prstGeom>
         </p:spPr>
         <p:txBody>
-          <a:bodyPr bIns="45000" lIns="90000" rIns="90000" tIns="45000"/>
+          <a:bodyPr lIns="90000" tIns="45000" rIns="90000" bIns="45000"/>
+          <a:lstStyle/>
           <a:p>
             <a:pPr>
               <a:buSzPct val="45000"/>
@@ -1218,11 +1333,14 @@
       </p:sp>
     </p:spTree>
   </p:cSld>
+  <p:clrMapOvr>
+    <a:masterClrMapping/>
+  </p:clrMapOvr>
 </p:sld>
 </file>
 
 <file path=ppt/slides/slide4.xml><?xml version="1.0" encoding="utf-8"?>
-<p:sld xmlns:a="http://schemas.openxmlformats.org/drawingml/2006/main" xmlns:p="http://schemas.openxmlformats.org/presentationml/2006/main" xmlns:r="http://schemas.openxmlformats.org/officeDocument/2006/relationships">
+<p:sld xmlns:a="http://schemas.openxmlformats.org/drawingml/2006/main" xmlns:r="http://schemas.openxmlformats.org/officeDocument/2006/relationships" xmlns:p="http://schemas.openxmlformats.org/presentationml/2006/main">
   <p:cSld>
     <p:spTree>
       <p:nvGrpSpPr>
@@ -1254,7 +1372,8 @@
           </a:prstGeom>
         </p:spPr>
         <p:txBody>
-          <a:bodyPr bIns="45000" lIns="90000" rIns="90000" tIns="45000"/>
+          <a:bodyPr lIns="90000" tIns="45000" rIns="90000" bIns="45000"/>
+          <a:lstStyle/>
           <a:p>
             <a:pPr algn="ctr"/>
             <a:r>
@@ -1286,7 +1405,8 @@
           </a:prstGeom>
         </p:spPr>
         <p:txBody>
-          <a:bodyPr bIns="45000" lIns="90000" rIns="90000" tIns="45000"/>
+          <a:bodyPr lIns="90000" tIns="45000" rIns="90000" bIns="45000"/>
+          <a:lstStyle/>
           <a:p>
             <a:pPr>
               <a:buSzPct val="45000"/>
@@ -1337,7 +1457,7 @@
               <a:t>Compute a homography </a:t>
             </a:r>
             <a:r>
-              <a:rPr i="1" lang="en-US" sz="3200">
+              <a:rPr lang="en-US" sz="3200" i="1">
                 <a:solidFill>
                   <a:srgbClr val="000000"/>
                 </a:solidFill>
@@ -1355,7 +1475,7 @@
               <a:t> that corresponds points in frame </a:t>
             </a:r>
             <a:r>
-              <a:rPr i="1" lang="en-US" sz="3200">
+              <a:rPr lang="en-US" sz="3200" i="1">
                 <a:solidFill>
                   <a:srgbClr val="000000"/>
                 </a:solidFill>
@@ -1373,7 +1493,7 @@
               <a:t>to points in frame 1</a:t>
             </a:r>
             <a:r>
-              <a:rPr i="1" lang="en-US" sz="3200">
+              <a:rPr lang="en-US" sz="3200" i="1">
                 <a:solidFill>
                   <a:srgbClr val="000000"/>
                 </a:solidFill>
@@ -1399,7 +1519,7 @@
               <a:t>Use </a:t>
             </a:r>
             <a:r>
-              <a:rPr i="1" lang="en-US" sz="3200">
+              <a:rPr lang="en-US" sz="3200" i="1">
                 <a:solidFill>
                   <a:srgbClr val="000000"/>
                 </a:solidFill>
@@ -1417,7 +1537,7 @@
               <a:t> to warp frame </a:t>
             </a:r>
             <a:r>
-              <a:rPr i="1" lang="en-US" sz="3200">
+              <a:rPr lang="en-US" sz="3200" i="1">
                 <a:solidFill>
                   <a:srgbClr val="000000"/>
                 </a:solidFill>
@@ -1446,11 +1566,14 @@
       </p:sp>
     </p:spTree>
   </p:cSld>
+  <p:clrMapOvr>
+    <a:masterClrMapping/>
+  </p:clrMapOvr>
 </p:sld>
 </file>
 
 <file path=ppt/slides/slide5.xml><?xml version="1.0" encoding="utf-8"?>
-<p:sld xmlns:a="http://schemas.openxmlformats.org/drawingml/2006/main" xmlns:p="http://schemas.openxmlformats.org/presentationml/2006/main" xmlns:r="http://schemas.openxmlformats.org/officeDocument/2006/relationships">
+<p:sld xmlns:a="http://schemas.openxmlformats.org/drawingml/2006/main" xmlns:r="http://schemas.openxmlformats.org/officeDocument/2006/relationships" xmlns:p="http://schemas.openxmlformats.org/presentationml/2006/main">
   <p:cSld>
     <p:spTree>
       <p:nvGrpSpPr>
@@ -1482,7 +1605,8 @@
           </a:prstGeom>
         </p:spPr>
         <p:txBody>
-          <a:bodyPr bIns="45000" lIns="90000" rIns="90000" tIns="45000"/>
+          <a:bodyPr lIns="90000" tIns="45000" rIns="90000" bIns="45000"/>
+          <a:lstStyle/>
           <a:p>
             <a:pPr algn="ctr"/>
             <a:r>
@@ -1514,7 +1638,8 @@
           </a:prstGeom>
         </p:spPr>
         <p:txBody>
-          <a:bodyPr bIns="45000" lIns="90000" rIns="90000" tIns="45000"/>
+          <a:bodyPr lIns="90000" tIns="45000" rIns="90000" bIns="45000"/>
+          <a:lstStyle/>
           <a:p>
             <a:pPr>
               <a:buSzPct val="45000"/>
@@ -1553,12 +1678,12 @@
       </p:sp>
       <p:pic>
         <p:nvPicPr>
-          <p:cNvPr descr="" id="20" name="Picture 2"/>
+          <p:cNvPr id="20" name="Picture 2"/>
           <p:cNvPicPr/>
           <p:nvPr/>
         </p:nvPicPr>
         <p:blipFill>
-          <a:blip r:embed="rId1"/>
+          <a:blip r:embed="rId2" cstate="print"/>
           <a:stretch>
             <a:fillRect/>
           </a:stretch>
@@ -1575,12 +1700,12 @@
       </p:pic>
       <p:pic>
         <p:nvPicPr>
-          <p:cNvPr descr="" id="21" name="Picture 4"/>
+          <p:cNvPr id="21" name="Picture 4"/>
           <p:cNvPicPr/>
           <p:nvPr/>
         </p:nvPicPr>
         <p:blipFill>
-          <a:blip r:embed="rId2"/>
+          <a:blip r:embed="rId3" cstate="print"/>
           <a:stretch>
             <a:fillRect/>
           </a:stretch>
@@ -1611,7 +1736,8 @@
           </a:prstGeom>
         </p:spPr>
         <p:txBody>
-          <a:bodyPr bIns="45000" lIns="90000" rIns="90000" tIns="45000" wrap="none"/>
+          <a:bodyPr wrap="none" lIns="90000" tIns="45000" rIns="90000" bIns="45000"/>
+          <a:lstStyle/>
           <a:p>
             <a:r>
               <a:rPr lang="en-US">
@@ -1642,7 +1768,8 @@
           </a:prstGeom>
         </p:spPr>
         <p:txBody>
-          <a:bodyPr bIns="45000" lIns="90000" rIns="90000" tIns="45000" wrap="none"/>
+          <a:bodyPr wrap="none" lIns="90000" tIns="45000" rIns="90000" bIns="45000"/>
+          <a:lstStyle/>
           <a:p>
             <a:r>
               <a:rPr lang="en-US">
@@ -1659,11 +1786,14 @@
       </p:sp>
     </p:spTree>
   </p:cSld>
+  <p:clrMapOvr>
+    <a:masterClrMapping/>
+  </p:clrMapOvr>
 </p:sld>
 </file>
 
 <file path=ppt/slides/slide6.xml><?xml version="1.0" encoding="utf-8"?>
-<p:sld xmlns:a="http://schemas.openxmlformats.org/drawingml/2006/main" xmlns:p="http://schemas.openxmlformats.org/presentationml/2006/main" xmlns:r="http://schemas.openxmlformats.org/officeDocument/2006/relationships">
+<p:sld xmlns:a="http://schemas.openxmlformats.org/drawingml/2006/main" xmlns:r="http://schemas.openxmlformats.org/officeDocument/2006/relationships" xmlns:p="http://schemas.openxmlformats.org/presentationml/2006/main">
   <p:cSld>
     <p:spTree>
       <p:nvGrpSpPr>
@@ -1681,7 +1811,7 @@
       </p:grpSpPr>
       <p:sp>
         <p:nvSpPr>
-          <p:cNvPr id="24" name="TextShape 1"/>
+          <p:cNvPr id="26" name="TextShape 1"/>
           <p:cNvSpPr txBox="1"/>
           <p:nvPr/>
         </p:nvSpPr>
@@ -1695,11 +1825,12 @@
           </a:prstGeom>
         </p:spPr>
         <p:txBody>
-          <a:bodyPr bIns="45000" lIns="90000" rIns="90000" tIns="45000"/>
+          <a:bodyPr lIns="90000" tIns="45000" rIns="90000" bIns="45000"/>
+          <a:lstStyle/>
           <a:p>
             <a:pPr algn="ctr"/>
             <a:r>
-              <a:rPr lang="en-US" sz="4400">
+              <a:rPr lang="en-US" sz="4400" dirty="0" smtClean="0">
                 <a:solidFill>
                   <a:srgbClr val="000000"/>
                 </a:solidFill>
@@ -1707,13 +1838,13 @@
               </a:rPr>
               <a:t>Tracking</a:t>
             </a:r>
-            <a:endParaRPr/>
+            <a:endParaRPr dirty="0"/>
           </a:p>
         </p:txBody>
       </p:sp>
       <p:sp>
         <p:nvSpPr>
-          <p:cNvPr id="25" name="TextShape 2"/>
+          <p:cNvPr id="27" name="TextShape 2"/>
           <p:cNvSpPr txBox="1"/>
           <p:nvPr/>
         </p:nvSpPr>
@@ -1727,15 +1858,14 @@
           </a:prstGeom>
         </p:spPr>
         <p:txBody>
-          <a:bodyPr bIns="45000" lIns="90000" rIns="90000" tIns="45000"/>
+          <a:bodyPr lIns="90000" tIns="45000" rIns="90000" bIns="45000"/>
+          <a:lstStyle/>
           <a:p>
             <a:pPr>
               <a:buSzPct val="45000"/>
-              <a:buFont typeface="Arial"/>
-              <a:buChar char="•"/>
-            </a:pPr>
-            <a:r>
-              <a:rPr lang="en-US" sz="3200">
+            </a:pPr>
+            <a:r>
+              <a:rPr lang="en-US" sz="3200" dirty="0" smtClean="0">
                 <a:solidFill>
                   <a:srgbClr val="000000"/>
                 </a:solidFill>
@@ -1743,16 +1873,13 @@
               </a:rPr>
               <a:t>Step 1: Detection</a:t>
             </a:r>
-            <a:endParaRPr/>
-          </a:p>
-          <a:p>
-            <a:pPr lvl="1">
-              <a:buSzPct val="45000"/>
-              <a:buFont typeface="StarSymbol"/>
-              <a:buChar char=""/>
-            </a:pPr>
-            <a:r>
-              <a:rPr lang="en-US" sz="3200">
+          </a:p>
+          <a:p>
+            <a:pPr>
+              <a:buSzPct val="45000"/>
+            </a:pPr>
+            <a:r>
+              <a:rPr lang="en-US" sz="3200" dirty="0" smtClean="0">
                 <a:solidFill>
                   <a:srgbClr val="000000"/>
                 </a:solidFill>
@@ -1760,16 +1887,13 @@
               </a:rPr>
               <a:t>Detect all the objects in an image</a:t>
             </a:r>
-            <a:endParaRPr/>
           </a:p>
           <a:p>
             <a:pPr>
               <a:buSzPct val="45000"/>
-              <a:buFont typeface="Arial"/>
-              <a:buChar char="•"/>
-            </a:pPr>
-            <a:r>
-              <a:rPr lang="en-US" sz="3200">
+            </a:pPr>
+            <a:r>
+              <a:rPr lang="en-US" sz="3200" dirty="0" smtClean="0">
                 <a:solidFill>
                   <a:srgbClr val="000000"/>
                 </a:solidFill>
@@ -1777,16 +1901,13 @@
               </a:rPr>
               <a:t>Step 2: Tracking</a:t>
             </a:r>
-            <a:endParaRPr/>
-          </a:p>
-          <a:p>
-            <a:pPr lvl="1">
-              <a:buSzPct val="45000"/>
-              <a:buFont typeface="StarSymbol"/>
-              <a:buChar char=""/>
-            </a:pPr>
-            <a:r>
-              <a:rPr lang="en-US" sz="3200">
+          </a:p>
+          <a:p>
+            <a:pPr>
+              <a:buSzPct val="45000"/>
+            </a:pPr>
+            <a:r>
+              <a:rPr lang="en-US" sz="3200" dirty="0" smtClean="0">
                 <a:solidFill>
                   <a:srgbClr val="000000"/>
                 </a:solidFill>
@@ -1794,16 +1915,13 @@
               </a:rPr>
               <a:t>Update all the objects already being tracked</a:t>
             </a:r>
-            <a:endParaRPr/>
           </a:p>
           <a:p>
             <a:pPr>
               <a:buSzPct val="45000"/>
-              <a:buFont typeface="Arial"/>
-              <a:buChar char="•"/>
-            </a:pPr>
-            <a:r>
-              <a:rPr lang="en-US" sz="3200">
+            </a:pPr>
+            <a:r>
+              <a:rPr lang="en-US" sz="3200" dirty="0" smtClean="0">
                 <a:solidFill>
                   <a:srgbClr val="000000"/>
                 </a:solidFill>
@@ -1811,16 +1929,13 @@
               </a:rPr>
               <a:t>Step 3: Registration</a:t>
             </a:r>
-            <a:endParaRPr/>
-          </a:p>
-          <a:p>
-            <a:pPr lvl="1">
-              <a:buSzPct val="45000"/>
-              <a:buFont typeface="StarSymbol"/>
-              <a:buChar char=""/>
-            </a:pPr>
-            <a:r>
-              <a:rPr lang="en-US" sz="3200">
+          </a:p>
+          <a:p>
+            <a:pPr>
+              <a:buSzPct val="45000"/>
+            </a:pPr>
+            <a:r>
+              <a:rPr lang="en-US" sz="3200" dirty="0" smtClean="0">
                 <a:solidFill>
                   <a:srgbClr val="000000"/>
                 </a:solidFill>
@@ -1828,16 +1943,13 @@
               </a:rPr>
               <a:t>Update the objects being registered and begin tracking them.</a:t>
             </a:r>
-            <a:endParaRPr/>
-          </a:p>
-          <a:p>
-            <a:pPr lvl="1">
-              <a:buSzPct val="45000"/>
-              <a:buFont typeface="StarSymbol"/>
-              <a:buChar char=""/>
-            </a:pPr>
-            <a:r>
-              <a:rPr lang="en-US" sz="3200">
+          </a:p>
+          <a:p>
+            <a:pPr>
+              <a:buSzPct val="45000"/>
+            </a:pPr>
+            <a:r>
+              <a:rPr lang="en-US" sz="3200" smtClean="0">
                 <a:solidFill>
                   <a:srgbClr val="000000"/>
                 </a:solidFill>
@@ -1845,46 +1957,20 @@
               </a:rPr>
               <a:t>Register the rest of the detected objects</a:t>
             </a:r>
-            <a:endParaRPr/>
+            <a:endParaRPr dirty="0"/>
           </a:p>
         </p:txBody>
       </p:sp>
     </p:spTree>
   </p:cSld>
-  <p:timing>
-    <p:tnLst>
-      <p:par>
-        <p:cTn dur="indefinite" id="1" nodeType="tmRoot" restart="never">
-          <p:childTnLst>
-            <p:seq>
-              <p:cTn id="2" nodeType="mainSeq">
-                <p:childTnLst/>
-              </p:cTn>
-              <p:prevCondLst>
-                <p:cond delay="0" evt="onPrev">
-                  <p:tgtEl>
-                    <p:sldTgt/>
-                  </p:tgtEl>
-                </p:cond>
-              </p:prevCondLst>
-              <p:nextCondLst>
-                <p:cond delay="0" evt="onNext">
-                  <p:tgtEl>
-                    <p:sldTgt/>
-                  </p:tgtEl>
-                </p:cond>
-              </p:nextCondLst>
-            </p:seq>
-          </p:childTnLst>
-        </p:cTn>
-      </p:par>
-    </p:tnLst>
-  </p:timing>
+  <p:clrMapOvr>
+    <a:masterClrMapping/>
+  </p:clrMapOvr>
 </p:sld>
 </file>
 
 <file path=ppt/slides/slide7.xml><?xml version="1.0" encoding="utf-8"?>
-<p:sld xmlns:a="http://schemas.openxmlformats.org/drawingml/2006/main" xmlns:p="http://schemas.openxmlformats.org/presentationml/2006/main" xmlns:r="http://schemas.openxmlformats.org/officeDocument/2006/relationships">
+<p:sld xmlns:a="http://schemas.openxmlformats.org/drawingml/2006/main" xmlns:r="http://schemas.openxmlformats.org/officeDocument/2006/relationships" xmlns:p="http://schemas.openxmlformats.org/presentationml/2006/main">
   <p:cSld>
     <p:spTree>
       <p:nvGrpSpPr>
@@ -1916,7 +2002,8 @@
           </a:prstGeom>
         </p:spPr>
         <p:txBody>
-          <a:bodyPr bIns="45000" lIns="90000" rIns="90000" tIns="45000"/>
+          <a:bodyPr lIns="90000" tIns="45000" rIns="90000" bIns="45000"/>
+          <a:lstStyle/>
           <a:p>
             <a:pPr algn="ctr"/>
             <a:r>
@@ -1948,7 +2035,8 @@
           </a:prstGeom>
         </p:spPr>
         <p:txBody>
-          <a:bodyPr bIns="45000" lIns="90000" rIns="90000" tIns="45000"/>
+          <a:bodyPr lIns="90000" tIns="45000" rIns="90000" bIns="45000"/>
+          <a:lstStyle/>
           <a:p>
             <a:pPr>
               <a:buSzPct val="45000"/>
@@ -1987,11 +2075,14 @@
       </p:sp>
     </p:spTree>
   </p:cSld>
+  <p:clrMapOvr>
+    <a:masterClrMapping/>
+  </p:clrMapOvr>
 </p:sld>
 </file>
 
 <file path=ppt/slides/slide8.xml><?xml version="1.0" encoding="utf-8"?>
-<p:sld xmlns:a="http://schemas.openxmlformats.org/drawingml/2006/main" xmlns:p="http://schemas.openxmlformats.org/presentationml/2006/main" xmlns:r="http://schemas.openxmlformats.org/officeDocument/2006/relationships">
+<p:sld xmlns:a="http://schemas.openxmlformats.org/drawingml/2006/main" xmlns:r="http://schemas.openxmlformats.org/officeDocument/2006/relationships" xmlns:p="http://schemas.openxmlformats.org/presentationml/2006/main">
   <p:cSld>
     <p:spTree>
       <p:nvGrpSpPr>
@@ -2023,7 +2114,8 @@
           </a:prstGeom>
         </p:spPr>
         <p:txBody>
-          <a:bodyPr bIns="45000" lIns="90000" rIns="90000" tIns="45000"/>
+          <a:bodyPr lIns="90000" tIns="45000" rIns="90000" bIns="45000"/>
+          <a:lstStyle/>
           <a:p>
             <a:pPr algn="ctr"/>
             <a:r>
@@ -2055,7 +2147,8 @@
           </a:prstGeom>
         </p:spPr>
         <p:txBody>
-          <a:bodyPr bIns="45000" lIns="90000" rIns="90000" tIns="45000"/>
+          <a:bodyPr lIns="90000" tIns="45000" rIns="90000" bIns="45000"/>
+          <a:lstStyle/>
           <a:p>
             <a:pPr>
               <a:buSzPct val="45000"/>
@@ -2077,6 +2170,9 @@
       </p:sp>
     </p:spTree>
   </p:cSld>
+  <p:clrMapOvr>
+    <a:masterClrMapping/>
+  </p:clrMapOvr>
 </p:sld>
 </file>
 
@@ -2300,6 +2396,8 @@
       </a:bgFillStyleLst>
     </a:fmtScheme>
   </a:themeElements>
+  <a:objectDefaults/>
+  <a:extraClrSchemeLst/>
 </a:theme>
 </file>
 
@@ -2523,5 +2621,7 @@
       </a:bgFillStyleLst>
     </a:fmtScheme>
   </a:themeElements>
+  <a:objectDefaults/>
+  <a:extraClrSchemeLst/>
 </a:theme>
 </file>
--- a/Final Project.pptx
+++ b/Final Project.pptx
@@ -1,9 +1,9 @@
 
 <file path=ppt/presentation.xml><?xml version="1.0" encoding="utf-8"?>
-<p:presentation xmlns:a="http://schemas.openxmlformats.org/drawingml/2006/main" xmlns:r="http://schemas.openxmlformats.org/officeDocument/2006/relationships" xmlns:p="http://schemas.openxmlformats.org/presentationml/2006/main">
+<p:presentation xmlns:a="http://schemas.openxmlformats.org/drawingml/2006/main" xmlns:r="http://schemas.openxmlformats.org/officeDocument/2006/relationships" xmlns:mc="http://schemas.openxmlformats.org/markup-compatibility/2006" xmlns:mv="urn:schemas-microsoft-com:mac:vml" xmlns:p="http://schemas.openxmlformats.org/presentationml/2006/main" mc:Ignorable="mv" mc:PreserveAttributes="mv:*">
   <p:sldMasterIdLst>
-    <p:sldMasterId id="2147483648" r:id="rId1"/>
-    <p:sldMasterId id="2147483650" r:id="rId2"/>
+    <p:sldMasterId r:id="rId1"/>
+    <p:sldMasterId r:id="rId2"/>
   </p:sldMasterIdLst>
   <p:sldIdLst>
     <p:sldId id="256" r:id="rId3"/>
@@ -11,9 +11,10 @@
     <p:sldId id="258" r:id="rId5"/>
     <p:sldId id="259" r:id="rId6"/>
     <p:sldId id="260" r:id="rId7"/>
-    <p:sldId id="262" r:id="rId8"/>
-    <p:sldId id="264" r:id="rId9"/>
-    <p:sldId id="263" r:id="rId10"/>
+    <p:sldId id="265" r:id="rId8"/>
+    <p:sldId id="262" r:id="rId9"/>
+    <p:sldId id="264" r:id="rId10"/>
+    <p:sldId id="263" r:id="rId11"/>
   </p:sldIdLst>
   <p:sldSz cx="9144000" cy="6858000" type="screen4x3"/>
   <p:notesSz cx="7772400" cy="10058400"/>
@@ -116,7 +117,7 @@
 </file>
 
 <file path=ppt/slideLayouts/slideLayout1.xml><?xml version="1.0" encoding="utf-8"?>
-<p:sldLayout xmlns:a="http://schemas.openxmlformats.org/drawingml/2006/main" xmlns:r="http://schemas.openxmlformats.org/officeDocument/2006/relationships" xmlns:p="http://schemas.openxmlformats.org/presentationml/2006/main" type="title" preserve="1">
+<p:sldLayout xmlns:a="http://schemas.openxmlformats.org/drawingml/2006/main" xmlns:r="http://schemas.openxmlformats.org/officeDocument/2006/relationships" xmlns:mc="http://schemas.openxmlformats.org/markup-compatibility/2006" xmlns:mv="urn:schemas-microsoft-com:mac:vml" xmlns:p="http://schemas.openxmlformats.org/presentationml/2006/main" mc:Ignorable="mv" mc:PreserveAttributes="mv:*" type="title" preserve="1">
   <p:cSld name="Title Slide">
     <p:spTree>
       <p:nvGrpSpPr>
@@ -141,7 +142,7 @@
 </file>
 
 <file path=ppt/slideLayouts/slideLayout2.xml><?xml version="1.0" encoding="utf-8"?>
-<p:sldLayout xmlns:a="http://schemas.openxmlformats.org/drawingml/2006/main" xmlns:r="http://schemas.openxmlformats.org/officeDocument/2006/relationships" xmlns:p="http://schemas.openxmlformats.org/presentationml/2006/main" type="title" preserve="1">
+<p:sldLayout xmlns:a="http://schemas.openxmlformats.org/drawingml/2006/main" xmlns:r="http://schemas.openxmlformats.org/officeDocument/2006/relationships" xmlns:mc="http://schemas.openxmlformats.org/markup-compatibility/2006" xmlns:mv="urn:schemas-microsoft-com:mac:vml" xmlns:p="http://schemas.openxmlformats.org/presentationml/2006/main" mc:Ignorable="mv" mc:PreserveAttributes="mv:*" type="title" preserve="1">
   <p:cSld name="Title Slide">
     <p:spTree>
       <p:nvGrpSpPr>
@@ -166,7 +167,7 @@
 </file>
 
 <file path=ppt/slideMasters/slideMaster1.xml><?xml version="1.0" encoding="utf-8"?>
-<p:sldMaster xmlns:a="http://schemas.openxmlformats.org/drawingml/2006/main" xmlns:r="http://schemas.openxmlformats.org/officeDocument/2006/relationships" xmlns:p="http://schemas.openxmlformats.org/presentationml/2006/main">
+<p:sldMaster xmlns:a="http://schemas.openxmlformats.org/drawingml/2006/main" xmlns:r="http://schemas.openxmlformats.org/officeDocument/2006/relationships" xmlns:mc="http://schemas.openxmlformats.org/markup-compatibility/2006" xmlns:mv="urn:schemas-microsoft-com:mac:vml" xmlns:p="http://schemas.openxmlformats.org/presentationml/2006/main" mc:Ignorable="mv" mc:PreserveAttributes="mv:*">
   <p:cSld>
     <p:spTree>
       <p:nvGrpSpPr>
@@ -444,7 +445,7 @@
   </p:cSld>
   <p:clrMap bg1="lt1" tx1="dk1" bg2="lt2" tx2="dk2" accent1="accent1" accent2="accent2" accent3="accent3" accent4="accent4" accent5="accent5" accent6="accent6" hlink="hlink" folHlink="folHlink"/>
   <p:sldLayoutIdLst>
-    <p:sldLayoutId id="2147483649" r:id="rId1"/>
+    <p:sldLayoutId r:id="rId1"/>
   </p:sldLayoutIdLst>
   <p:txStyles>
     <p:titleStyle/>
@@ -455,7 +456,7 @@
 </file>
 
 <file path=ppt/slideMasters/slideMaster2.xml><?xml version="1.0" encoding="utf-8"?>
-<p:sldMaster xmlns:a="http://schemas.openxmlformats.org/drawingml/2006/main" xmlns:r="http://schemas.openxmlformats.org/officeDocument/2006/relationships" xmlns:p="http://schemas.openxmlformats.org/presentationml/2006/main">
+<p:sldMaster xmlns:a="http://schemas.openxmlformats.org/drawingml/2006/main" xmlns:r="http://schemas.openxmlformats.org/officeDocument/2006/relationships" xmlns:mc="http://schemas.openxmlformats.org/markup-compatibility/2006" xmlns:mv="urn:schemas-microsoft-com:mac:vml" xmlns:p="http://schemas.openxmlformats.org/presentationml/2006/main" mc:Ignorable="mv" mc:PreserveAttributes="mv:*">
   <p:cSld>
     <p:spTree>
       <p:nvGrpSpPr>
@@ -846,7 +847,7 @@
   </p:cSld>
   <p:clrMap bg1="lt1" tx1="dk1" bg2="lt2" tx2="dk2" accent1="accent1" accent2="accent2" accent3="accent3" accent4="accent4" accent5="accent5" accent6="accent6" hlink="hlink" folHlink="folHlink"/>
   <p:sldLayoutIdLst>
-    <p:sldLayoutId id="2147483651" r:id="rId1"/>
+    <p:sldLayoutId r:id="rId1"/>
   </p:sldLayoutIdLst>
   <p:txStyles>
     <p:titleStyle/>
@@ -857,7 +858,7 @@
 </file>
 
 <file path=ppt/slides/slide1.xml><?xml version="1.0" encoding="utf-8"?>
-<p:sld xmlns:a="http://schemas.openxmlformats.org/drawingml/2006/main" xmlns:r="http://schemas.openxmlformats.org/officeDocument/2006/relationships" xmlns:p="http://schemas.openxmlformats.org/presentationml/2006/main">
+<p:sld xmlns:a="http://schemas.openxmlformats.org/drawingml/2006/main" xmlns:r="http://schemas.openxmlformats.org/officeDocument/2006/relationships" xmlns:mc="http://schemas.openxmlformats.org/markup-compatibility/2006" xmlns:mv="urn:schemas-microsoft-com:mac:vml" xmlns:p="http://schemas.openxmlformats.org/presentationml/2006/main" mc:Ignorable="mv" mc:PreserveAttributes="mv:*">
   <p:cSld>
     <p:spTree>
       <p:nvGrpSpPr>
@@ -948,7 +949,7 @@
 </file>
 
 <file path=ppt/slides/slide2.xml><?xml version="1.0" encoding="utf-8"?>
-<p:sld xmlns:a="http://schemas.openxmlformats.org/drawingml/2006/main" xmlns:r="http://schemas.openxmlformats.org/officeDocument/2006/relationships" xmlns:p="http://schemas.openxmlformats.org/presentationml/2006/main">
+<p:sld xmlns:a="http://schemas.openxmlformats.org/drawingml/2006/main" xmlns:r="http://schemas.openxmlformats.org/officeDocument/2006/relationships" xmlns:mc="http://schemas.openxmlformats.org/markup-compatibility/2006" xmlns:mv="urn:schemas-microsoft-com:mac:vml" xmlns:p="http://schemas.openxmlformats.org/presentationml/2006/main" mc:Ignorable="mv" mc:PreserveAttributes="mv:*">
   <p:cSld>
     <p:spTree>
       <p:nvGrpSpPr>
@@ -1168,6 +1169,30 @@
           </a:p>
         </p:txBody>
       </p:sp>
+      <p:pic>
+        <p:nvPicPr>
+          <p:cNvPr id="4" name="Picture 3"/>
+          <p:cNvPicPr>
+            <a:picLocks noChangeAspect="1"/>
+          </p:cNvPicPr>
+          <p:nvPr/>
+        </p:nvPicPr>
+        <p:blipFill>
+          <a:blip r:embed="rId2"/>
+          <a:stretch>
+            <a:fillRect/>
+          </a:stretch>
+        </p:blipFill>
+        <p:spPr>
+          <a:xfrm>
+            <a:off x="5638800" y="2468392"/>
+            <a:ext cx="2673350" cy="2179808"/>
+          </a:xfrm>
+          <a:prstGeom prst="rect">
+            <a:avLst/>
+          </a:prstGeom>
+        </p:spPr>
+      </p:pic>
     </p:spTree>
   </p:cSld>
   <p:clrMapOvr>
@@ -1177,7 +1202,7 @@
 </file>
 
 <file path=ppt/slides/slide3.xml><?xml version="1.0" encoding="utf-8"?>
-<p:sld xmlns:a="http://schemas.openxmlformats.org/drawingml/2006/main" xmlns:r="http://schemas.openxmlformats.org/officeDocument/2006/relationships" xmlns:p="http://schemas.openxmlformats.org/presentationml/2006/main">
+<p:sld xmlns:a="http://schemas.openxmlformats.org/drawingml/2006/main" xmlns:r="http://schemas.openxmlformats.org/officeDocument/2006/relationships" xmlns:mc="http://schemas.openxmlformats.org/markup-compatibility/2006" xmlns:mv="urn:schemas-microsoft-com:mac:vml" xmlns:p="http://schemas.openxmlformats.org/presentationml/2006/main" mc:Ignorable="mv" mc:PreserveAttributes="mv:*">
   <p:cSld>
     <p:spTree>
       <p:nvGrpSpPr>
@@ -1340,7 +1365,7 @@
 </file>
 
 <file path=ppt/slides/slide4.xml><?xml version="1.0" encoding="utf-8"?>
-<p:sld xmlns:a="http://schemas.openxmlformats.org/drawingml/2006/main" xmlns:r="http://schemas.openxmlformats.org/officeDocument/2006/relationships" xmlns:p="http://schemas.openxmlformats.org/presentationml/2006/main">
+<p:sld xmlns:a="http://schemas.openxmlformats.org/drawingml/2006/main" xmlns:r="http://schemas.openxmlformats.org/officeDocument/2006/relationships" xmlns:mc="http://schemas.openxmlformats.org/markup-compatibility/2006" xmlns:mv="urn:schemas-microsoft-com:mac:vml" xmlns:p="http://schemas.openxmlformats.org/presentationml/2006/main" mc:Ignorable="mv" mc:PreserveAttributes="mv:*">
   <p:cSld>
     <p:spTree>
       <p:nvGrpSpPr>
@@ -1564,6 +1589,62 @@
           </a:p>
         </p:txBody>
       </p:sp>
+      <p:pic>
+        <p:nvPicPr>
+          <p:cNvPr id="4" name="Picture 3"/>
+          <p:cNvPicPr>
+            <a:picLocks noChangeAspect="1"/>
+          </p:cNvPicPr>
+          <p:nvPr/>
+        </p:nvPicPr>
+        <p:blipFill>
+          <a:blip r:embed="rId2"/>
+          <a:stretch>
+            <a:fillRect/>
+          </a:stretch>
+        </p:blipFill>
+        <p:spPr>
+          <a:xfrm>
+            <a:off x="3048000" y="4343400"/>
+            <a:ext cx="2667000" cy="1773777"/>
+          </a:xfrm>
+          <a:prstGeom prst="rect">
+            <a:avLst/>
+          </a:prstGeom>
+        </p:spPr>
+      </p:pic>
+      <p:sp>
+        <p:nvSpPr>
+          <p:cNvPr id="5" name="CustomShape 3"/>
+          <p:cNvSpPr/>
+          <p:nvPr/>
+        </p:nvSpPr>
+        <p:spPr>
+          <a:xfrm>
+            <a:off x="2743200" y="6096000"/>
+            <a:ext cx="2413440" cy="364680"/>
+          </a:xfrm>
+          <a:prstGeom prst="rect">
+            <a:avLst/>
+          </a:prstGeom>
+        </p:spPr>
+        <p:txBody>
+          <a:bodyPr wrap="none" lIns="90000" tIns="45000" rIns="90000" bIns="45000"/>
+          <a:lstStyle/>
+          <a:p>
+            <a:r>
+              <a:rPr lang="en-US" dirty="0" smtClean="0">
+                <a:solidFill>
+                  <a:srgbClr val="000000"/>
+                </a:solidFill>
+                <a:latin typeface="Calibri"/>
+              </a:rPr>
+              <a:t>Not this much shaking thankfully</a:t>
+            </a:r>
+            <a:endParaRPr dirty="0"/>
+          </a:p>
+        </p:txBody>
+      </p:sp>
     </p:spTree>
   </p:cSld>
   <p:clrMapOvr>
@@ -1573,7 +1654,7 @@
 </file>
 
 <file path=ppt/slides/slide5.xml><?xml version="1.0" encoding="utf-8"?>
-<p:sld xmlns:a="http://schemas.openxmlformats.org/drawingml/2006/main" xmlns:r="http://schemas.openxmlformats.org/officeDocument/2006/relationships" xmlns:p="http://schemas.openxmlformats.org/presentationml/2006/main">
+<p:sld xmlns:a="http://schemas.openxmlformats.org/drawingml/2006/main" xmlns:r="http://schemas.openxmlformats.org/officeDocument/2006/relationships" xmlns:mc="http://schemas.openxmlformats.org/markup-compatibility/2006" xmlns:mv="urn:schemas-microsoft-com:mac:vml" xmlns:p="http://schemas.openxmlformats.org/presentationml/2006/main" mc:Ignorable="mv" mc:PreserveAttributes="mv:*">
   <p:cSld>
     <p:spTree>
       <p:nvGrpSpPr>
@@ -1647,15 +1728,24 @@
               <a:buChar char="•"/>
             </a:pPr>
             <a:r>
-              <a:rPr lang="en-US" sz="3200">
-                <a:solidFill>
-                  <a:srgbClr val="000000"/>
-                </a:solidFill>
-                <a:latin typeface="Calibri"/>
-              </a:rPr>
-              <a:t>Calculate the background (static parts of the video).</a:t>
-            </a:r>
-            <a:endParaRPr/>
+              <a:rPr lang="en-US" sz="3200" dirty="0">
+                <a:solidFill>
+                  <a:srgbClr val="000000"/>
+                </a:solidFill>
+                <a:latin typeface="Calibri"/>
+              </a:rPr>
+              <a:t>Calculate the background (static parts of the video</a:t>
+            </a:r>
+            <a:r>
+              <a:rPr lang="en-US" sz="3200" dirty="0" smtClean="0">
+                <a:solidFill>
+                  <a:srgbClr val="000000"/>
+                </a:solidFill>
+                <a:latin typeface="Calibri"/>
+              </a:rPr>
+              <a:t>) using mean or median image.</a:t>
+            </a:r>
+            <a:endParaRPr dirty="0" smtClean="0"/>
           </a:p>
           <a:p>
             <a:pPr>
@@ -1664,7 +1754,7 @@
               <a:buChar char="•"/>
             </a:pPr>
             <a:r>
-              <a:rPr lang="en-US" sz="3200">
+              <a:rPr lang="en-US" sz="3200" dirty="0">
                 <a:solidFill>
                   <a:srgbClr val="000000"/>
                 </a:solidFill>
@@ -1672,7 +1762,7 @@
               </a:rPr>
               <a:t>Subtract the background from every frame.</a:t>
             </a:r>
-            <a:endParaRPr/>
+            <a:endParaRPr dirty="0"/>
           </a:p>
         </p:txBody>
       </p:sp>
@@ -1690,7 +1780,7 @@
         </p:blipFill>
         <p:spPr>
           <a:xfrm>
-            <a:off x="4952880" y="3733920"/>
+            <a:off x="5715000" y="3733800"/>
             <a:ext cx="3047760" cy="2031480"/>
           </a:xfrm>
           <a:prstGeom prst="rect">
@@ -1712,7 +1802,7 @@
         </p:blipFill>
         <p:spPr>
           <a:xfrm>
-            <a:off x="914400" y="3733920"/>
+            <a:off x="381000" y="3733800"/>
             <a:ext cx="3083400" cy="2014200"/>
           </a:xfrm>
           <a:prstGeom prst="rect">
@@ -1728,7 +1818,7 @@
         </p:nvSpPr>
         <p:spPr>
           <a:xfrm>
-            <a:off x="1239480" y="5791320"/>
+            <a:off x="863160" y="5867400"/>
             <a:ext cx="2413440" cy="364680"/>
           </a:xfrm>
           <a:prstGeom prst="rect">
@@ -1740,7 +1830,7 @@
           <a:lstStyle/>
           <a:p>
             <a:r>
-              <a:rPr lang="en-US">
+              <a:rPr lang="en-US" dirty="0">
                 <a:solidFill>
                   <a:srgbClr val="000000"/>
                 </a:solidFill>
@@ -1748,7 +1838,7 @@
               </a:rPr>
               <a:t>Before Stabilization</a:t>
             </a:r>
-            <a:endParaRPr/>
+            <a:endParaRPr dirty="0"/>
           </a:p>
         </p:txBody>
       </p:sp>
@@ -1760,7 +1850,7 @@
         </p:nvSpPr>
         <p:spPr>
           <a:xfrm>
-            <a:off x="5380920" y="5791320"/>
+            <a:off x="6248400" y="5791200"/>
             <a:ext cx="2215440" cy="364680"/>
           </a:xfrm>
           <a:prstGeom prst="rect">
@@ -1772,7 +1862,7 @@
           <a:lstStyle/>
           <a:p>
             <a:r>
-              <a:rPr lang="en-US">
+              <a:rPr lang="en-US" dirty="0">
                 <a:solidFill>
                   <a:srgbClr val="000000"/>
                 </a:solidFill>
@@ -1780,10 +1870,102 @@
               </a:rPr>
               <a:t>After Stabilization</a:t>
             </a:r>
-            <a:endParaRPr/>
-          </a:p>
-        </p:txBody>
-      </p:sp>
+            <a:endParaRPr dirty="0"/>
+          </a:p>
+        </p:txBody>
+      </p:sp>
+      <p:pic>
+        <p:nvPicPr>
+          <p:cNvPr id="11" name="Picture 10"/>
+          <p:cNvPicPr>
+            <a:picLocks noChangeAspect="1"/>
+          </p:cNvPicPr>
+          <p:nvPr/>
+        </p:nvPicPr>
+        <p:blipFill>
+          <a:blip r:embed="rId4"/>
+          <a:stretch>
+            <a:fillRect/>
+          </a:stretch>
+        </p:blipFill>
+        <p:spPr>
+          <a:xfrm>
+            <a:off x="3886200" y="3733800"/>
+            <a:ext cx="1295400" cy="1295400"/>
+          </a:xfrm>
+          <a:prstGeom prst="rect">
+            <a:avLst/>
+          </a:prstGeom>
+        </p:spPr>
+      </p:pic>
+      <p:sp>
+        <p:nvSpPr>
+          <p:cNvPr id="12" name="CustomShape 4"/>
+          <p:cNvSpPr/>
+          <p:nvPr/>
+        </p:nvSpPr>
+        <p:spPr>
+          <a:xfrm>
+            <a:off x="3956760" y="4953000"/>
+            <a:ext cx="2215440" cy="364680"/>
+          </a:xfrm>
+          <a:prstGeom prst="rect">
+            <a:avLst/>
+          </a:prstGeom>
+        </p:spPr>
+        <p:txBody>
+          <a:bodyPr wrap="none" lIns="90000" tIns="45000" rIns="90000" bIns="45000"/>
+          <a:lstStyle/>
+          <a:p>
+            <a:r>
+              <a:rPr lang="en-US" dirty="0" smtClean="0">
+                <a:solidFill>
+                  <a:srgbClr val="000000"/>
+                </a:solidFill>
+                <a:latin typeface="Calibri"/>
+              </a:rPr>
+              <a:t>ENHANCE!</a:t>
+            </a:r>
+            <a:endParaRPr dirty="0"/>
+          </a:p>
+        </p:txBody>
+      </p:sp>
+      <p:cxnSp>
+        <p:nvCxnSpPr>
+          <p:cNvPr id="14" name="Straight Arrow Connector 13"/>
+          <p:cNvCxnSpPr/>
+          <p:nvPr/>
+        </p:nvCxnSpPr>
+        <p:spPr>
+          <a:xfrm>
+            <a:off x="4038600" y="5410200"/>
+            <a:ext cx="1066800" cy="1588"/>
+          </a:xfrm>
+          <a:prstGeom prst="straightConnector1">
+            <a:avLst/>
+          </a:prstGeom>
+          <a:ln>
+            <a:solidFill>
+              <a:schemeClr val="tx1"/>
+            </a:solidFill>
+            <a:tailEnd type="arrow"/>
+          </a:ln>
+        </p:spPr>
+        <p:style>
+          <a:lnRef idx="2">
+            <a:schemeClr val="accent1"/>
+          </a:lnRef>
+          <a:fillRef idx="0">
+            <a:schemeClr val="accent1"/>
+          </a:fillRef>
+          <a:effectRef idx="1">
+            <a:schemeClr val="accent1"/>
+          </a:effectRef>
+          <a:fontRef idx="minor">
+            <a:schemeClr val="tx1"/>
+          </a:fontRef>
+        </p:style>
+      </p:cxnSp>
     </p:spTree>
   </p:cSld>
   <p:clrMapOvr>
@@ -1793,7 +1975,7 @@
 </file>
 
 <file path=ppt/slides/slide6.xml><?xml version="1.0" encoding="utf-8"?>
-<p:sld xmlns:a="http://schemas.openxmlformats.org/drawingml/2006/main" xmlns:r="http://schemas.openxmlformats.org/officeDocument/2006/relationships" xmlns:p="http://schemas.openxmlformats.org/presentationml/2006/main">
+<p:sld xmlns:a="http://schemas.openxmlformats.org/drawingml/2006/main" xmlns:r="http://schemas.openxmlformats.org/officeDocument/2006/relationships" xmlns:mc="http://schemas.openxmlformats.org/markup-compatibility/2006" xmlns:mv="urn:schemas-microsoft-com:mac:vml" xmlns:p="http://schemas.openxmlformats.org/presentationml/2006/main" mc:Ignorable="mv" mc:PreserveAttributes="mv:*">
   <p:cSld>
     <p:spTree>
       <p:nvGrpSpPr>
@@ -1836,7 +2018,7 @@
                 </a:solidFill>
                 <a:latin typeface="Calibri"/>
               </a:rPr>
-              <a:t>Tracking</a:t>
+              <a:t>Detection</a:t>
             </a:r>
             <a:endParaRPr dirty="0"/>
           </a:p>
@@ -1863,6 +2045,8 @@
           <a:p>
             <a:pPr>
               <a:buSzPct val="45000"/>
+              <a:buFont typeface="Arial"/>
+              <a:buChar char="•"/>
             </a:pPr>
             <a:r>
               <a:rPr lang="en-US" sz="3200" dirty="0" smtClean="0">
@@ -1871,13 +2055,8 @@
                 </a:solidFill>
                 <a:latin typeface="Calibri"/>
               </a:rPr>
-              <a:t>Step 1: Detection</a:t>
-            </a:r>
-          </a:p>
-          <a:p>
-            <a:pPr>
-              <a:buSzPct val="45000"/>
-            </a:pPr>
+              <a:t>Detect all the objects in </a:t>
+            </a:r>
             <a:r>
               <a:rPr lang="en-US" sz="3200" dirty="0" smtClean="0">
                 <a:solidFill>
@@ -1885,82 +2064,114 @@
                 </a:solidFill>
                 <a:latin typeface="Calibri"/>
               </a:rPr>
-              <a:t>Detect all the objects in an image</a:t>
-            </a:r>
-          </a:p>
-          <a:p>
-            <a:pPr>
-              <a:buSzPct val="45000"/>
-            </a:pPr>
-            <a:r>
-              <a:rPr lang="en-US" sz="3200" dirty="0" smtClean="0">
-                <a:solidFill>
-                  <a:srgbClr val="000000"/>
-                </a:solidFill>
-                <a:latin typeface="Calibri"/>
-              </a:rPr>
-              <a:t>Step 2: Tracking</a:t>
-            </a:r>
-          </a:p>
-          <a:p>
-            <a:pPr>
-              <a:buSzPct val="45000"/>
-            </a:pPr>
-            <a:r>
-              <a:rPr lang="en-US" sz="3200" dirty="0" smtClean="0">
-                <a:solidFill>
-                  <a:srgbClr val="000000"/>
-                </a:solidFill>
-                <a:latin typeface="Calibri"/>
-              </a:rPr>
-              <a:t>Update all the objects already being tracked</a:t>
-            </a:r>
-          </a:p>
-          <a:p>
-            <a:pPr>
-              <a:buSzPct val="45000"/>
-            </a:pPr>
-            <a:r>
-              <a:rPr lang="en-US" sz="3200" dirty="0" smtClean="0">
-                <a:solidFill>
-                  <a:srgbClr val="000000"/>
-                </a:solidFill>
-                <a:latin typeface="Calibri"/>
-              </a:rPr>
-              <a:t>Step 3: Registration</a:t>
-            </a:r>
-          </a:p>
-          <a:p>
-            <a:pPr>
-              <a:buSzPct val="45000"/>
-            </a:pPr>
-            <a:r>
-              <a:rPr lang="en-US" sz="3200" dirty="0" smtClean="0">
-                <a:solidFill>
-                  <a:srgbClr val="000000"/>
-                </a:solidFill>
-                <a:latin typeface="Calibri"/>
-              </a:rPr>
-              <a:t>Update the objects being registered and begin tracking them.</a:t>
-            </a:r>
-          </a:p>
-          <a:p>
-            <a:pPr>
-              <a:buSzPct val="45000"/>
-            </a:pPr>
-            <a:r>
-              <a:rPr lang="en-US" sz="3200" smtClean="0">
-                <a:solidFill>
-                  <a:srgbClr val="000000"/>
-                </a:solidFill>
-                <a:latin typeface="Calibri"/>
-              </a:rPr>
-              <a:t>Register the rest of the detected objects</a:t>
+              <a:t>the background subtracted image</a:t>
+            </a:r>
+            <a:endParaRPr dirty="0" smtClean="0"/>
+          </a:p>
+        </p:txBody>
+      </p:sp>
+      <p:sp>
+        <p:nvSpPr>
+          <p:cNvPr id="4" name="CustomShape 4"/>
+          <p:cNvSpPr/>
+          <p:nvPr/>
+        </p:nvSpPr>
+        <p:spPr>
+          <a:xfrm>
+            <a:off x="5334000" y="5791200"/>
+            <a:ext cx="2215440" cy="364680"/>
+          </a:xfrm>
+          <a:prstGeom prst="rect">
+            <a:avLst/>
+          </a:prstGeom>
+        </p:spPr>
+        <p:txBody>
+          <a:bodyPr wrap="none" lIns="90000" tIns="45000" rIns="90000" bIns="45000"/>
+          <a:lstStyle/>
+          <a:p>
+            <a:r>
+              <a:rPr lang="en-US" dirty="0" smtClean="0"/>
+              <a:t>All detected objects</a:t>
             </a:r>
             <a:endParaRPr dirty="0"/>
           </a:p>
         </p:txBody>
       </p:sp>
+      <p:pic>
+        <p:nvPicPr>
+          <p:cNvPr id="6" name="Picture 5"/>
+          <p:cNvPicPr>
+            <a:picLocks noChangeAspect="1"/>
+          </p:cNvPicPr>
+          <p:nvPr/>
+        </p:nvPicPr>
+        <p:blipFill>
+          <a:blip r:embed="rId2"/>
+          <a:stretch>
+            <a:fillRect/>
+          </a:stretch>
+        </p:blipFill>
+        <p:spPr>
+          <a:xfrm>
+            <a:off x="533400" y="4038600"/>
+            <a:ext cx="2253803" cy="1600200"/>
+          </a:xfrm>
+          <a:prstGeom prst="rect">
+            <a:avLst/>
+          </a:prstGeom>
+        </p:spPr>
+      </p:pic>
+      <p:sp>
+        <p:nvSpPr>
+          <p:cNvPr id="7" name="CustomShape 4"/>
+          <p:cNvSpPr/>
+          <p:nvPr/>
+        </p:nvSpPr>
+        <p:spPr>
+          <a:xfrm>
+            <a:off x="680160" y="5715000"/>
+            <a:ext cx="2215440" cy="364680"/>
+          </a:xfrm>
+          <a:prstGeom prst="rect">
+            <a:avLst/>
+          </a:prstGeom>
+        </p:spPr>
+        <p:txBody>
+          <a:bodyPr wrap="none" lIns="90000" tIns="45000" rIns="90000" bIns="45000"/>
+          <a:lstStyle/>
+          <a:p>
+            <a:r>
+              <a:rPr lang="en-US" dirty="0" smtClean="0"/>
+              <a:t>Find all the things!</a:t>
+            </a:r>
+            <a:endParaRPr dirty="0"/>
+          </a:p>
+        </p:txBody>
+      </p:sp>
+      <p:pic>
+        <p:nvPicPr>
+          <p:cNvPr id="8" name="Picture 7"/>
+          <p:cNvPicPr>
+            <a:picLocks noChangeAspect="1"/>
+          </p:cNvPicPr>
+          <p:nvPr/>
+        </p:nvPicPr>
+        <p:blipFill>
+          <a:blip r:embed="rId3"/>
+          <a:stretch>
+            <a:fillRect/>
+          </a:stretch>
+        </p:blipFill>
+        <p:spPr>
+          <a:xfrm>
+            <a:off x="4191000" y="2667000"/>
+            <a:ext cx="4489181" cy="2971800"/>
+          </a:xfrm>
+          <a:prstGeom prst="rect">
+            <a:avLst/>
+          </a:prstGeom>
+        </p:spPr>
+      </p:pic>
     </p:spTree>
   </p:cSld>
   <p:clrMapOvr>
@@ -1970,7 +2181,7 @@
 </file>
 
 <file path=ppt/slides/slide7.xml><?xml version="1.0" encoding="utf-8"?>
-<p:sld xmlns:a="http://schemas.openxmlformats.org/drawingml/2006/main" xmlns:r="http://schemas.openxmlformats.org/officeDocument/2006/relationships" xmlns:p="http://schemas.openxmlformats.org/presentationml/2006/main">
+<p:sld xmlns:a="http://schemas.openxmlformats.org/drawingml/2006/main" xmlns:r="http://schemas.openxmlformats.org/officeDocument/2006/relationships" xmlns:mc="http://schemas.openxmlformats.org/markup-compatibility/2006" xmlns:mv="urn:schemas-microsoft-com:mac:vml" xmlns:p="http://schemas.openxmlformats.org/presentationml/2006/main" mc:Ignorable="mv" mc:PreserveAttributes="mv:*">
   <p:cSld>
     <p:spTree>
       <p:nvGrpSpPr>
@@ -2007,15 +2218,15 @@
           <a:p>
             <a:pPr algn="ctr"/>
             <a:r>
-              <a:rPr lang="en-US" sz="4400">
-                <a:solidFill>
-                  <a:srgbClr val="000000"/>
-                </a:solidFill>
-                <a:latin typeface="Calibri"/>
-              </a:rPr>
-              <a:t>Classification</a:t>
-            </a:r>
-            <a:endParaRPr/>
+              <a:rPr lang="en-US" sz="4400" dirty="0" smtClean="0">
+                <a:solidFill>
+                  <a:srgbClr val="000000"/>
+                </a:solidFill>
+                <a:latin typeface="Calibri"/>
+              </a:rPr>
+              <a:t>Tracking</a:t>
+            </a:r>
+            <a:endParaRPr dirty="0"/>
           </a:p>
         </p:txBody>
       </p:sp>
@@ -2040,36 +2251,160 @@
           <a:p>
             <a:pPr>
               <a:buSzPct val="45000"/>
-              <a:buFont typeface="Arial"/>
-              <a:buChar char="•"/>
-            </a:pPr>
-            <a:r>
-              <a:rPr lang="en-US" sz="3200">
-                <a:solidFill>
-                  <a:srgbClr val="000000"/>
-                </a:solidFill>
-                <a:latin typeface="Calibri"/>
-              </a:rPr>
-              <a:t>Training Data</a:t>
-            </a:r>
-            <a:endParaRPr/>
+            </a:pPr>
+            <a:r>
+              <a:rPr lang="en-US" sz="3200" dirty="0" smtClean="0">
+                <a:solidFill>
+                  <a:srgbClr val="000000"/>
+                </a:solidFill>
+                <a:latin typeface="Calibri"/>
+              </a:rPr>
+              <a:t>Step </a:t>
+            </a:r>
+            <a:r>
+              <a:rPr lang="en-US" sz="3200" dirty="0" smtClean="0">
+                <a:solidFill>
+                  <a:srgbClr val="000000"/>
+                </a:solidFill>
+                <a:latin typeface="Calibri"/>
+              </a:rPr>
+              <a:t>1</a:t>
+            </a:r>
+            <a:r>
+              <a:rPr lang="en-US" sz="3200" dirty="0" smtClean="0">
+                <a:solidFill>
+                  <a:srgbClr val="000000"/>
+                </a:solidFill>
+                <a:latin typeface="Calibri"/>
+              </a:rPr>
+              <a:t>: </a:t>
+            </a:r>
+            <a:r>
+              <a:rPr lang="en-US" sz="3200" dirty="0" smtClean="0">
+                <a:solidFill>
+                  <a:srgbClr val="000000"/>
+                </a:solidFill>
+                <a:latin typeface="Calibri"/>
+              </a:rPr>
+              <a:t>Tracking</a:t>
+            </a:r>
+            <a:endParaRPr lang="en-US" sz="3200" dirty="0" smtClean="0">
+              <a:solidFill>
+                <a:srgbClr val="000000"/>
+              </a:solidFill>
+              <a:latin typeface="Calibri"/>
+            </a:endParaRPr>
           </a:p>
           <a:p>
             <a:pPr>
               <a:buSzPct val="45000"/>
-              <a:buFont typeface="Arial"/>
-              <a:buChar char="•"/>
-            </a:pPr>
-            <a:r>
-              <a:rPr lang="en-US" sz="3200">
-                <a:solidFill>
-                  <a:srgbClr val="000000"/>
-                </a:solidFill>
-                <a:latin typeface="Calibri"/>
-              </a:rPr>
-              <a:t>RGB Color Matching</a:t>
-            </a:r>
-            <a:endParaRPr/>
+            </a:pPr>
+            <a:r>
+              <a:rPr lang="en-US" sz="2800" dirty="0" smtClean="0">
+                <a:solidFill>
+                  <a:srgbClr val="000000"/>
+                </a:solidFill>
+                <a:latin typeface="Calibri"/>
+              </a:rPr>
+              <a:t>-Update </a:t>
+            </a:r>
+            <a:r>
+              <a:rPr lang="en-US" sz="2800" dirty="0" smtClean="0">
+                <a:solidFill>
+                  <a:srgbClr val="000000"/>
+                </a:solidFill>
+                <a:latin typeface="Calibri"/>
+              </a:rPr>
+              <a:t>all the objects already being tracked</a:t>
+            </a:r>
+            <a:endParaRPr lang="en-US" sz="2800" dirty="0" smtClean="0">
+              <a:solidFill>
+                <a:srgbClr val="000000"/>
+              </a:solidFill>
+              <a:latin typeface="Calibri"/>
+            </a:endParaRPr>
+          </a:p>
+          <a:p>
+            <a:pPr>
+              <a:buSzPct val="45000"/>
+            </a:pPr>
+            <a:r>
+              <a:rPr lang="en-US" sz="3200" dirty="0" smtClean="0">
+                <a:solidFill>
+                  <a:srgbClr val="000000"/>
+                </a:solidFill>
+                <a:latin typeface="Calibri"/>
+              </a:rPr>
+              <a:t>Step 2: </a:t>
+            </a:r>
+            <a:r>
+              <a:rPr lang="en-US" sz="3200" dirty="0" smtClean="0">
+                <a:solidFill>
+                  <a:srgbClr val="000000"/>
+                </a:solidFill>
+                <a:latin typeface="Calibri"/>
+              </a:rPr>
+              <a:t>Registration</a:t>
+            </a:r>
+            <a:endParaRPr lang="en-US" sz="3200" dirty="0" smtClean="0">
+              <a:solidFill>
+                <a:srgbClr val="000000"/>
+              </a:solidFill>
+              <a:latin typeface="Calibri"/>
+            </a:endParaRPr>
+          </a:p>
+          <a:p>
+            <a:pPr>
+              <a:buSzPct val="45000"/>
+            </a:pPr>
+            <a:r>
+              <a:rPr lang="en-US" sz="2800" dirty="0" smtClean="0">
+                <a:solidFill>
+                  <a:srgbClr val="000000"/>
+                </a:solidFill>
+                <a:latin typeface="Calibri"/>
+              </a:rPr>
+              <a:t>-Update </a:t>
+            </a:r>
+            <a:r>
+              <a:rPr lang="en-US" sz="2800" dirty="0" smtClean="0">
+                <a:solidFill>
+                  <a:srgbClr val="000000"/>
+                </a:solidFill>
+                <a:latin typeface="Calibri"/>
+              </a:rPr>
+              <a:t>the objects being registered and begin tracking them.</a:t>
+            </a:r>
+            <a:endParaRPr lang="en-US" sz="2800" dirty="0" smtClean="0">
+              <a:solidFill>
+                <a:srgbClr val="000000"/>
+              </a:solidFill>
+              <a:latin typeface="Calibri"/>
+            </a:endParaRPr>
+          </a:p>
+          <a:p>
+            <a:pPr>
+              <a:buSzPct val="45000"/>
+            </a:pPr>
+            <a:r>
+              <a:rPr lang="en-US" sz="2800" dirty="0" smtClean="0">
+                <a:solidFill>
+                  <a:srgbClr val="000000"/>
+                </a:solidFill>
+                <a:latin typeface="Calibri"/>
+              </a:rPr>
+              <a:t>-Register </a:t>
+            </a:r>
+            <a:r>
+              <a:rPr lang="en-US" sz="2800" dirty="0" smtClean="0">
+                <a:solidFill>
+                  <a:srgbClr val="000000"/>
+                </a:solidFill>
+                <a:latin typeface="Calibri"/>
+              </a:rPr>
+              <a:t>the rest of the detected objects</a:t>
+            </a:r>
+            <a:endParaRPr sz="2800" dirty="0"/>
           </a:p>
         </p:txBody>
       </p:sp>
@@ -2082,7 +2417,180 @@
 </file>
 
 <file path=ppt/slides/slide8.xml><?xml version="1.0" encoding="utf-8"?>
-<p:sld xmlns:a="http://schemas.openxmlformats.org/drawingml/2006/main" xmlns:r="http://schemas.openxmlformats.org/officeDocument/2006/relationships" xmlns:p="http://schemas.openxmlformats.org/presentationml/2006/main">
+<p:sld xmlns:a="http://schemas.openxmlformats.org/drawingml/2006/main" xmlns:r="http://schemas.openxmlformats.org/officeDocument/2006/relationships" xmlns:mc="http://schemas.openxmlformats.org/markup-compatibility/2006" xmlns:mv="urn:schemas-microsoft-com:mac:vml" xmlns:p="http://schemas.openxmlformats.org/presentationml/2006/main" mc:Ignorable="mv" mc:PreserveAttributes="mv:*">
+  <p:cSld>
+    <p:spTree>
+      <p:nvGrpSpPr>
+        <p:cNvPr id="1" name=""/>
+        <p:cNvGrpSpPr/>
+        <p:nvPr/>
+      </p:nvGrpSpPr>
+      <p:grpSpPr>
+        <a:xfrm>
+          <a:off x="0" y="0"/>
+          <a:ext cx="0" cy="0"/>
+          <a:chOff x="0" y="0"/>
+          <a:chExt cx="0" cy="0"/>
+        </a:xfrm>
+      </p:grpSpPr>
+      <p:sp>
+        <p:nvSpPr>
+          <p:cNvPr id="26" name="TextShape 1"/>
+          <p:cNvSpPr txBox="1"/>
+          <p:nvPr/>
+        </p:nvSpPr>
+        <p:spPr>
+          <a:xfrm>
+            <a:off x="457200" y="274680"/>
+            <a:ext cx="8229240" cy="1142640"/>
+          </a:xfrm>
+          <a:prstGeom prst="rect">
+            <a:avLst/>
+          </a:prstGeom>
+        </p:spPr>
+        <p:txBody>
+          <a:bodyPr lIns="90000" tIns="45000" rIns="90000" bIns="45000"/>
+          <a:lstStyle/>
+          <a:p>
+            <a:pPr algn="ctr"/>
+            <a:r>
+              <a:rPr lang="en-US" sz="4400">
+                <a:solidFill>
+                  <a:srgbClr val="000000"/>
+                </a:solidFill>
+                <a:latin typeface="Calibri"/>
+              </a:rPr>
+              <a:t>Classification</a:t>
+            </a:r>
+            <a:endParaRPr/>
+          </a:p>
+        </p:txBody>
+      </p:sp>
+      <p:sp>
+        <p:nvSpPr>
+          <p:cNvPr id="27" name="TextShape 2"/>
+          <p:cNvSpPr txBox="1"/>
+          <p:nvPr/>
+        </p:nvSpPr>
+        <p:spPr>
+          <a:xfrm>
+            <a:off x="457200" y="1600200"/>
+            <a:ext cx="8229240" cy="4525560"/>
+          </a:xfrm>
+          <a:prstGeom prst="rect">
+            <a:avLst/>
+          </a:prstGeom>
+        </p:spPr>
+        <p:txBody>
+          <a:bodyPr lIns="90000" tIns="45000" rIns="90000" bIns="45000"/>
+          <a:lstStyle/>
+          <a:p>
+            <a:pPr>
+              <a:buSzPct val="45000"/>
+              <a:buFont typeface="Arial"/>
+              <a:buChar char="•"/>
+            </a:pPr>
+            <a:r>
+              <a:rPr lang="en-US" sz="3200" dirty="0">
+                <a:solidFill>
+                  <a:srgbClr val="000000"/>
+                </a:solidFill>
+                <a:latin typeface="Calibri"/>
+              </a:rPr>
+              <a:t>Training Data</a:t>
+            </a:r>
+            <a:endParaRPr dirty="0"/>
+          </a:p>
+          <a:p>
+            <a:pPr>
+              <a:buSzPct val="45000"/>
+              <a:buFont typeface="Arial"/>
+              <a:buChar char="•"/>
+            </a:pPr>
+            <a:r>
+              <a:rPr lang="en-US" sz="3200" dirty="0">
+                <a:solidFill>
+                  <a:srgbClr val="000000"/>
+                </a:solidFill>
+                <a:latin typeface="Calibri"/>
+              </a:rPr>
+              <a:t>RGB Color Matching</a:t>
+            </a:r>
+            <a:endParaRPr dirty="0"/>
+          </a:p>
+        </p:txBody>
+      </p:sp>
+      <p:pic>
+        <p:nvPicPr>
+          <p:cNvPr id="4" name="Picture 3"/>
+          <p:cNvPicPr>
+            <a:picLocks noChangeAspect="1"/>
+          </p:cNvPicPr>
+          <p:nvPr/>
+        </p:nvPicPr>
+        <p:blipFill>
+          <a:blip r:embed="rId2"/>
+          <a:stretch>
+            <a:fillRect/>
+          </a:stretch>
+        </p:blipFill>
+        <p:spPr>
+          <a:xfrm>
+            <a:off x="3124200" y="3048000"/>
+            <a:ext cx="2438400" cy="2438400"/>
+          </a:xfrm>
+          <a:prstGeom prst="rect">
+            <a:avLst/>
+          </a:prstGeom>
+        </p:spPr>
+      </p:pic>
+      <p:sp>
+        <p:nvSpPr>
+          <p:cNvPr id="5" name="CustomShape 4"/>
+          <p:cNvSpPr/>
+          <p:nvPr/>
+        </p:nvSpPr>
+        <p:spPr>
+          <a:xfrm>
+            <a:off x="3276600" y="5486400"/>
+            <a:ext cx="2215440" cy="364680"/>
+          </a:xfrm>
+          <a:prstGeom prst="rect">
+            <a:avLst/>
+          </a:prstGeom>
+        </p:spPr>
+        <p:txBody>
+          <a:bodyPr wrap="none" lIns="90000" tIns="45000" rIns="90000" bIns="45000"/>
+          <a:lstStyle/>
+          <a:p>
+            <a:r>
+              <a:rPr lang="en-US" dirty="0" smtClean="0"/>
+              <a:t>Not sure if person,</a:t>
+            </a:r>
+            <a:r>
+              <a:rPr lang="en-US" dirty="0" smtClean="0"/>
+              <a:t> </a:t>
+            </a:r>
+          </a:p>
+          <a:p>
+            <a:r>
+              <a:rPr lang="en-US" dirty="0" smtClean="0"/>
+              <a:t>      or concrete…</a:t>
+            </a:r>
+            <a:endParaRPr lang="en-US" dirty="0" smtClean="0"/>
+          </a:p>
+        </p:txBody>
+      </p:sp>
+    </p:spTree>
+  </p:cSld>
+  <p:clrMapOvr>
+    <a:masterClrMapping/>
+  </p:clrMapOvr>
+</p:sld>
+</file>
+
+<file path=ppt/slides/slide9.xml><?xml version="1.0" encoding="utf-8"?>
+<p:sld xmlns:a="http://schemas.openxmlformats.org/drawingml/2006/main" xmlns:r="http://schemas.openxmlformats.org/officeDocument/2006/relationships" xmlns:mc="http://schemas.openxmlformats.org/markup-compatibility/2006" xmlns:mv="urn:schemas-microsoft-com:mac:vml" xmlns:p="http://schemas.openxmlformats.org/presentationml/2006/main" mc:Ignorable="mv" mc:PreserveAttributes="mv:*">
   <p:cSld>
     <p:spTree>
       <p:nvGrpSpPr>
